--- a/Learning Materials/Unity/환경설정.pptx
+++ b/Learning Materials/Unity/환경설정.pptx
@@ -10,23 +10,29 @@
   <p:sldIdLst>
     <p:sldId id="256" r:id="rId3"/>
     <p:sldId id="257" r:id="rId4"/>
-    <p:sldId id="258" r:id="rId5"/>
-    <p:sldId id="259" r:id="rId6"/>
-    <p:sldId id="261" r:id="rId7"/>
-    <p:sldId id="262" r:id="rId8"/>
-    <p:sldId id="263" r:id="rId9"/>
-    <p:sldId id="264" r:id="rId10"/>
-    <p:sldId id="265" r:id="rId11"/>
-    <p:sldId id="266" r:id="rId12"/>
-    <p:sldId id="270" r:id="rId13"/>
-    <p:sldId id="267" r:id="rId14"/>
-    <p:sldId id="268" r:id="rId15"/>
-    <p:sldId id="269" r:id="rId16"/>
-    <p:sldId id="271" r:id="rId17"/>
-    <p:sldId id="272" r:id="rId18"/>
-    <p:sldId id="273" r:id="rId19"/>
-    <p:sldId id="274" r:id="rId20"/>
-    <p:sldId id="275" r:id="rId21"/>
+    <p:sldId id="276" r:id="rId5"/>
+    <p:sldId id="258" r:id="rId6"/>
+    <p:sldId id="259" r:id="rId7"/>
+    <p:sldId id="281" r:id="rId8"/>
+    <p:sldId id="261" r:id="rId9"/>
+    <p:sldId id="262" r:id="rId10"/>
+    <p:sldId id="263" r:id="rId11"/>
+    <p:sldId id="264" r:id="rId12"/>
+    <p:sldId id="265" r:id="rId13"/>
+    <p:sldId id="266" r:id="rId14"/>
+    <p:sldId id="270" r:id="rId15"/>
+    <p:sldId id="267" r:id="rId16"/>
+    <p:sldId id="268" r:id="rId17"/>
+    <p:sldId id="269" r:id="rId18"/>
+    <p:sldId id="271" r:id="rId19"/>
+    <p:sldId id="272" r:id="rId20"/>
+    <p:sldId id="273" r:id="rId21"/>
+    <p:sldId id="274" r:id="rId22"/>
+    <p:sldId id="277" r:id="rId23"/>
+    <p:sldId id="275" r:id="rId24"/>
+    <p:sldId id="278" r:id="rId25"/>
+    <p:sldId id="279" r:id="rId26"/>
+    <p:sldId id="280" r:id="rId27"/>
   </p:sldIdLst>
   <p:sldSz cx="12192000" cy="6858000"/>
   <p:notesSz cx="6858000" cy="9144000"/>
@@ -3739,7 +3745,7 @@
       </p:grpSpPr>
       <p:pic>
         <p:nvPicPr>
-          <p:cNvPr id="8" name=""/>
+          <p:cNvPr id="4" name=""/>
           <p:cNvPicPr>
             <a:picLocks noChangeAspect="1"/>
           </p:cNvPicPr>
@@ -3753,48 +3759,24 @@
         </p:blipFill>
         <p:spPr>
           <a:xfrm>
-            <a:off x="285750" y="1500187"/>
-            <a:ext cx="5810250" cy="3857625"/>
+            <a:off x="1243012" y="590550"/>
+            <a:ext cx="9705975" cy="5676900"/>
           </a:xfrm>
           <a:prstGeom prst="rect">
             <a:avLst/>
           </a:prstGeom>
         </p:spPr>
       </p:pic>
-      <p:pic>
-        <p:nvPicPr>
-          <p:cNvPr id="9" name=""/>
-          <p:cNvPicPr>
-            <a:picLocks noChangeAspect="1"/>
-          </p:cNvPicPr>
-          <p:nvPr/>
-        </p:nvPicPr>
-        <p:blipFill rotWithShape="1">
-          <a:blip r:embed="rId3"/>
-          <a:stretch>
-            <a:fillRect/>
-          </a:stretch>
-        </p:blipFill>
-        <p:spPr>
-          <a:xfrm>
-            <a:off x="7350768" y="1928812"/>
-            <a:ext cx="3914775" cy="3000375"/>
-          </a:xfrm>
-          <a:prstGeom prst="rect">
-            <a:avLst/>
-          </a:prstGeom>
-        </p:spPr>
-      </p:pic>
-      <p:sp>
-        <p:nvSpPr>
-          <p:cNvPr id="10" name=""/>
+      <p:sp>
+        <p:nvSpPr>
+          <p:cNvPr id="5" name=""/>
           <p:cNvSpPr/>
           <p:nvPr/>
         </p:nvSpPr>
         <p:spPr>
           <a:xfrm>
-            <a:off x="428625" y="3531547"/>
-            <a:ext cx="1424316" cy="273590"/>
+            <a:off x="2945251" y="4320096"/>
+            <a:ext cx="1140593" cy="273590"/>
           </a:xfrm>
           <a:prstGeom prst="rect">
             <a:avLst/>
@@ -3839,7 +3821,7 @@
     </p:spTree>
     <p:extLst>
       <p:ext uri="{BB962C8B-B14F-4D97-AF65-F5344CB8AC3E}">
-        <p14:creationId xmlns:p14="http://schemas.microsoft.com/office/powerpoint/2010/main" val="3574136597"/>
+        <p14:creationId xmlns:p14="http://schemas.microsoft.com/office/powerpoint/2010/main" val="2076789793"/>
       </p:ext>
     </p:extLst>
   </p:cSld>
@@ -3876,7 +3858,7 @@
       </p:grpSpPr>
       <p:pic>
         <p:nvPicPr>
-          <p:cNvPr id="4" name=""/>
+          <p:cNvPr id="8" name=""/>
           <p:cNvPicPr>
             <a:picLocks noChangeAspect="1"/>
           </p:cNvPicPr>
@@ -3890,69 +3872,18 @@
         </p:blipFill>
         <p:spPr>
           <a:xfrm>
-            <a:off x="1243012" y="590550"/>
-            <a:ext cx="9705975" cy="5676900"/>
+            <a:off x="979915" y="0"/>
+            <a:ext cx="10232169" cy="6858000"/>
           </a:xfrm>
           <a:prstGeom prst="rect">
             <a:avLst/>
           </a:prstGeom>
         </p:spPr>
       </p:pic>
-      <p:sp>
-        <p:nvSpPr>
-          <p:cNvPr id="5" name=""/>
-          <p:cNvSpPr/>
-          <p:nvPr/>
-        </p:nvSpPr>
-        <p:spPr>
-          <a:xfrm>
-            <a:off x="1952219" y="3661452"/>
-            <a:ext cx="3075992" cy="547180"/>
-          </a:xfrm>
-          <a:prstGeom prst="rect">
-            <a:avLst/>
-          </a:prstGeom>
-          <a:noFill/>
-          <a:ln w="76200" cap="flat" cmpd="sng" algn="ctr">
-            <a:solidFill>
-              <a:srgbClr val="ff0000">
-                <a:alpha val="100000"/>
-              </a:srgbClr>
-            </a:solidFill>
-            <a:prstDash val="solid"/>
-          </a:ln>
-        </p:spPr>
-        <p:txBody>
-          <a:bodyPr anchor="ctr"/>
-          <a:p>
-            <a:pPr marL="0" indent="0" algn="ctr" defTabSz="914400" rtl="0" eaLnBrk="1" latinLnBrk="1" hangingPunct="1">
-              <a:lnSpc>
-                <a:spcPct val="100000"/>
-              </a:lnSpc>
-              <a:spcBef>
-                <a:spcPct val="0"/>
-              </a:spcBef>
-              <a:spcAft>
-                <a:spcPts val="0"/>
-              </a:spcAft>
-              <a:buNone/>
-              <a:defRPr/>
-            </a:pPr>
-            <a:endParaRPr xmlns:mc="http://schemas.openxmlformats.org/markup-compatibility/2006" xmlns:hp="http://schemas.haansoft.com/office/presentation/8.0" kumimoji="0" lang="ko-KR" altLang="en-US" sz="1800" b="0" i="0" u="none" strike="noStrike" kern="1200" cap="none" spc="0" normalizeH="0" baseline="0" mc:Ignorable="hp" hp:hslEmbossed="0">
-              <a:solidFill>
-                <a:srgbClr val="ffffff"/>
-              </a:solidFill>
-              <a:latin typeface="Calibri"/>
-              <a:ea typeface="맑은 고딕"/>
-              <a:cs typeface="맑은 고딕"/>
-            </a:endParaRPr>
-          </a:p>
-        </p:txBody>
-      </p:sp>
     </p:spTree>
     <p:extLst>
       <p:ext uri="{BB962C8B-B14F-4D97-AF65-F5344CB8AC3E}">
-        <p14:creationId xmlns:p14="http://schemas.microsoft.com/office/powerpoint/2010/main" val="2423478268"/>
+        <p14:creationId xmlns:p14="http://schemas.microsoft.com/office/powerpoint/2010/main" val="1480574147"/>
       </p:ext>
     </p:extLst>
   </p:cSld>
@@ -3989,7 +3920,7 @@
       </p:grpSpPr>
       <p:pic>
         <p:nvPicPr>
-          <p:cNvPr id="10" name=""/>
+          <p:cNvPr id="8" name=""/>
           <p:cNvPicPr>
             <a:picLocks noChangeAspect="1"/>
           </p:cNvPicPr>
@@ -4003,8 +3934,8 @@
         </p:blipFill>
         <p:spPr>
           <a:xfrm>
-            <a:off x="785812" y="309562"/>
-            <a:ext cx="10620375" cy="6238874"/>
+            <a:off x="285750" y="1500187"/>
+            <a:ext cx="5810250" cy="3857625"/>
           </a:xfrm>
           <a:prstGeom prst="rect">
             <a:avLst/>
@@ -4013,7 +3944,7 @@
       </p:pic>
       <p:pic>
         <p:nvPicPr>
-          <p:cNvPr id="8" name=""/>
+          <p:cNvPr id="9" name=""/>
           <p:cNvPicPr>
             <a:picLocks noChangeAspect="1"/>
           </p:cNvPicPr>
@@ -4027,8 +3958,8 @@
         </p:blipFill>
         <p:spPr>
           <a:xfrm>
-            <a:off x="4234837" y="3429000"/>
-            <a:ext cx="7171350" cy="3052863"/>
+            <a:off x="7350768" y="1928812"/>
+            <a:ext cx="3914775" cy="3000375"/>
           </a:xfrm>
           <a:prstGeom prst="rect">
             <a:avLst/>
@@ -4037,14 +3968,14 @@
       </p:pic>
       <p:sp>
         <p:nvSpPr>
-          <p:cNvPr id="9" name=""/>
+          <p:cNvPr id="10" name=""/>
           <p:cNvSpPr/>
           <p:nvPr/>
         </p:nvSpPr>
         <p:spPr>
           <a:xfrm>
-            <a:off x="8125109" y="5654001"/>
-            <a:ext cx="2001897" cy="547180"/>
+            <a:off x="428625" y="3531547"/>
+            <a:ext cx="1424316" cy="273590"/>
           </a:xfrm>
           <a:prstGeom prst="rect">
             <a:avLst/>
@@ -4089,7 +4020,7 @@
     </p:spTree>
     <p:extLst>
       <p:ext uri="{BB962C8B-B14F-4D97-AF65-F5344CB8AC3E}">
-        <p14:creationId xmlns:p14="http://schemas.microsoft.com/office/powerpoint/2010/main" val="2858808214"/>
+        <p14:creationId xmlns:p14="http://schemas.microsoft.com/office/powerpoint/2010/main" val="3574136597"/>
       </p:ext>
     </p:extLst>
   </p:cSld>
@@ -4126,7 +4057,7 @@
       </p:grpSpPr>
       <p:pic>
         <p:nvPicPr>
-          <p:cNvPr id="8" name=""/>
+          <p:cNvPr id="4" name=""/>
           <p:cNvPicPr>
             <a:picLocks noChangeAspect="1"/>
           </p:cNvPicPr>
@@ -4140,8 +4071,8 @@
         </p:blipFill>
         <p:spPr>
           <a:xfrm>
-            <a:off x="3167062" y="1157287"/>
-            <a:ext cx="5857874" cy="4543425"/>
+            <a:off x="1243012" y="590550"/>
+            <a:ext cx="9705975" cy="5676900"/>
           </a:xfrm>
           <a:prstGeom prst="rect">
             <a:avLst/>
@@ -4150,14 +4081,14 @@
       </p:pic>
       <p:sp>
         <p:nvSpPr>
-          <p:cNvPr id="10" name=""/>
+          <p:cNvPr id="5" name=""/>
           <p:cNvSpPr/>
           <p:nvPr/>
         </p:nvSpPr>
         <p:spPr>
           <a:xfrm>
-            <a:off x="4619099" y="3951660"/>
-            <a:ext cx="2913866" cy="395185"/>
+            <a:off x="1952219" y="3661452"/>
+            <a:ext cx="3075992" cy="547180"/>
           </a:xfrm>
           <a:prstGeom prst="rect">
             <a:avLst/>
@@ -4202,7 +4133,7 @@
     </p:spTree>
     <p:extLst>
       <p:ext uri="{BB962C8B-B14F-4D97-AF65-F5344CB8AC3E}">
-        <p14:creationId xmlns:p14="http://schemas.microsoft.com/office/powerpoint/2010/main" val="3886379163"/>
+        <p14:creationId xmlns:p14="http://schemas.microsoft.com/office/powerpoint/2010/main" val="2423478268"/>
       </p:ext>
     </p:extLst>
   </p:cSld>
@@ -4239,7 +4170,7 @@
       </p:grpSpPr>
       <p:pic>
         <p:nvPicPr>
-          <p:cNvPr id="8" name=""/>
+          <p:cNvPr id="10" name=""/>
           <p:cNvPicPr>
             <a:picLocks noChangeAspect="1"/>
           </p:cNvPicPr>
@@ -4253,59 +4184,48 @@
         </p:blipFill>
         <p:spPr>
           <a:xfrm>
-            <a:off x="2200275" y="966787"/>
-            <a:ext cx="7791450" cy="4924425"/>
+            <a:off x="785812" y="309562"/>
+            <a:ext cx="10620375" cy="6238874"/>
           </a:xfrm>
           <a:prstGeom prst="rect">
             <a:avLst/>
           </a:prstGeom>
         </p:spPr>
       </p:pic>
-      <p:sp>
-        <p:nvSpPr>
-          <p:cNvPr id="10" name=""/>
-          <p:cNvSpPr txBox="1"/>
+      <p:pic>
+        <p:nvPicPr>
+          <p:cNvPr id="8" name=""/>
+          <p:cNvPicPr>
+            <a:picLocks noChangeAspect="1"/>
+          </p:cNvPicPr>
           <p:nvPr/>
-        </p:nvSpPr>
-        <p:spPr>
-          <a:xfrm>
-            <a:off x="1621437" y="966787"/>
-            <a:ext cx="578838" cy="362275"/>
+        </p:nvPicPr>
+        <p:blipFill rotWithShape="1">
+          <a:blip r:embed="rId3"/>
+          <a:stretch>
+            <a:fillRect/>
+          </a:stretch>
+        </p:blipFill>
+        <p:spPr>
+          <a:xfrm>
+            <a:off x="4234837" y="3429000"/>
+            <a:ext cx="7171350" cy="3052863"/>
           </a:xfrm>
           <a:prstGeom prst="rect">
             <a:avLst/>
           </a:prstGeom>
         </p:spPr>
-        <p:txBody>
-          <a:bodyPr wrap="none">
-            <a:spAutoFit/>
-          </a:bodyPr>
-          <a:p>
-            <a:pPr>
-              <a:defRPr/>
-            </a:pPr>
-            <a:r>
-              <a:rPr lang="en-US" altLang="ko-KR">
-                <a:latin typeface="맑은 고딕"/>
-              </a:rPr>
-              <a:t>Tip.</a:t>
-            </a:r>
-            <a:endParaRPr lang="en-US" altLang="ko-KR">
-              <a:latin typeface="맑은 고딕"/>
-            </a:endParaRPr>
-          </a:p>
-        </p:txBody>
-      </p:sp>
-      <p:sp>
-        <p:nvSpPr>
-          <p:cNvPr id="11" name=""/>
+      </p:pic>
+      <p:sp>
+        <p:nvSpPr>
+          <p:cNvPr id="9" name=""/>
           <p:cNvSpPr/>
           <p:nvPr/>
         </p:nvSpPr>
         <p:spPr>
           <a:xfrm>
-            <a:off x="4507637" y="5005490"/>
-            <a:ext cx="5183652" cy="547178"/>
+            <a:off x="8125109" y="5654001"/>
+            <a:ext cx="2001897" cy="547180"/>
           </a:xfrm>
           <a:prstGeom prst="rect">
             <a:avLst/>
@@ -4347,10 +4267,87 @@
           </a:p>
         </p:txBody>
       </p:sp>
+      <p:sp>
+        <p:nvSpPr>
+          <p:cNvPr id="11" name=""/>
+          <p:cNvSpPr txBox="1"/>
+          <p:nvPr/>
+        </p:nvSpPr>
+        <p:spPr>
+          <a:xfrm>
+            <a:off x="1762124" y="3006059"/>
+            <a:ext cx="2098784" cy="636331"/>
+          </a:xfrm>
+          <a:prstGeom prst="rect">
+            <a:avLst/>
+          </a:prstGeom>
+        </p:spPr>
+        <p:txBody>
+          <a:bodyPr wrap="square">
+            <a:spAutoFit/>
+          </a:bodyPr>
+          <a:p>
+            <a:pPr>
+              <a:defRPr/>
+            </a:pPr>
+            <a:r>
+              <a:rPr lang="ko-KR" altLang="en-US"/>
+              <a:t>로그인을 하면</a:t>
+            </a:r>
+            <a:endParaRPr lang="ko-KR" altLang="en-US"/>
+          </a:p>
+          <a:p>
+            <a:pPr>
+              <a:defRPr/>
+            </a:pPr>
+            <a:r>
+              <a:rPr lang="ko-KR" altLang="en-US"/>
+              <a:t>해당 창이 뜸</a:t>
+            </a:r>
+            <a:endParaRPr lang="ko-KR" altLang="en-US"/>
+          </a:p>
+        </p:txBody>
+      </p:sp>
+      <p:cxnSp>
+        <p:nvCxnSpPr>
+          <p:cNvPr id="12" name=""/>
+          <p:cNvCxnSpPr/>
+          <p:nvPr/>
+        </p:nvCxnSpPr>
+        <p:spPr>
+          <a:xfrm>
+            <a:off x="3426407" y="3333750"/>
+            <a:ext cx="1363654" cy="459429"/>
+          </a:xfrm>
+          <a:prstGeom prst="straightConnector1">
+            <a:avLst/>
+          </a:prstGeom>
+          <a:ln>
+            <a:solidFill>
+              <a:srgbClr val="ff0000"/>
+            </a:solidFill>
+            <a:tailEnd type="arrow"/>
+          </a:ln>
+        </p:spPr>
+        <p:style>
+          <a:lnRef idx="1">
+            <a:schemeClr val="accent1"/>
+          </a:lnRef>
+          <a:fillRef idx="0">
+            <a:schemeClr val="accent1"/>
+          </a:fillRef>
+          <a:effectRef idx="0">
+            <a:schemeClr val="accent1"/>
+          </a:effectRef>
+          <a:fontRef idx="minor">
+            <a:schemeClr val="tx1"/>
+          </a:fontRef>
+        </p:style>
+      </p:cxnSp>
     </p:spTree>
     <p:extLst>
       <p:ext uri="{BB962C8B-B14F-4D97-AF65-F5344CB8AC3E}">
-        <p14:creationId xmlns:p14="http://schemas.microsoft.com/office/powerpoint/2010/main" val="63522238"/>
+        <p14:creationId xmlns:p14="http://schemas.microsoft.com/office/powerpoint/2010/main" val="2858808214"/>
       </p:ext>
     </p:extLst>
   </p:cSld>
@@ -4387,7 +4384,7 @@
       </p:grpSpPr>
       <p:pic>
         <p:nvPicPr>
-          <p:cNvPr id="4" name=""/>
+          <p:cNvPr id="8" name=""/>
           <p:cNvPicPr>
             <a:picLocks noChangeAspect="1"/>
           </p:cNvPicPr>
@@ -4401,8 +4398,8 @@
         </p:blipFill>
         <p:spPr>
           <a:xfrm>
-            <a:off x="1233487" y="590550"/>
-            <a:ext cx="9725025" cy="5676900"/>
+            <a:off x="3167062" y="1157287"/>
+            <a:ext cx="5857874" cy="4543425"/>
           </a:xfrm>
           <a:prstGeom prst="rect">
             <a:avLst/>
@@ -4411,14 +4408,14 @@
       </p:pic>
       <p:sp>
         <p:nvSpPr>
-          <p:cNvPr id="5" name=""/>
+          <p:cNvPr id="10" name=""/>
           <p:cNvSpPr/>
           <p:nvPr/>
         </p:nvSpPr>
         <p:spPr>
           <a:xfrm>
-            <a:off x="9634926" y="1134084"/>
-            <a:ext cx="1069662" cy="415450"/>
+            <a:off x="4619099" y="3951660"/>
+            <a:ext cx="2913866" cy="395185"/>
           </a:xfrm>
           <a:prstGeom prst="rect">
             <a:avLst/>
@@ -4463,7 +4460,7 @@
     </p:spTree>
     <p:extLst>
       <p:ext uri="{BB962C8B-B14F-4D97-AF65-F5344CB8AC3E}">
-        <p14:creationId xmlns:p14="http://schemas.microsoft.com/office/powerpoint/2010/main" val="3197568671"/>
+        <p14:creationId xmlns:p14="http://schemas.microsoft.com/office/powerpoint/2010/main" val="3886379163"/>
       </p:ext>
     </p:extLst>
   </p:cSld>
@@ -4500,7 +4497,7 @@
       </p:grpSpPr>
       <p:pic>
         <p:nvPicPr>
-          <p:cNvPr id="4" name=""/>
+          <p:cNvPr id="8" name=""/>
           <p:cNvPicPr>
             <a:picLocks noChangeAspect="1"/>
           </p:cNvPicPr>
@@ -4514,8 +4511,8 @@
         </p:blipFill>
         <p:spPr>
           <a:xfrm>
-            <a:off x="1223962" y="595312"/>
-            <a:ext cx="9744075" cy="5667374"/>
+            <a:off x="2200275" y="966787"/>
+            <a:ext cx="7791450" cy="4924425"/>
           </a:xfrm>
           <a:prstGeom prst="rect">
             <a:avLst/>
@@ -4524,14 +4521,49 @@
       </p:pic>
       <p:sp>
         <p:nvSpPr>
-          <p:cNvPr id="5" name=""/>
+          <p:cNvPr id="10" name=""/>
+          <p:cNvSpPr txBox="1"/>
+          <p:nvPr/>
+        </p:nvSpPr>
+        <p:spPr>
+          <a:xfrm>
+            <a:off x="1621437" y="966787"/>
+            <a:ext cx="578838" cy="362275"/>
+          </a:xfrm>
+          <a:prstGeom prst="rect">
+            <a:avLst/>
+          </a:prstGeom>
+        </p:spPr>
+        <p:txBody>
+          <a:bodyPr wrap="none">
+            <a:spAutoFit/>
+          </a:bodyPr>
+          <a:p>
+            <a:pPr>
+              <a:defRPr/>
+            </a:pPr>
+            <a:r>
+              <a:rPr lang="en-US" altLang="ko-KR">
+                <a:latin typeface="맑은 고딕"/>
+              </a:rPr>
+              <a:t>Tip.</a:t>
+            </a:r>
+            <a:endParaRPr lang="en-US" altLang="ko-KR">
+              <a:latin typeface="맑은 고딕"/>
+            </a:endParaRPr>
+          </a:p>
+        </p:txBody>
+      </p:sp>
+      <p:sp>
+        <p:nvSpPr>
+          <p:cNvPr id="11" name=""/>
           <p:cNvSpPr/>
           <p:nvPr/>
         </p:nvSpPr>
         <p:spPr>
           <a:xfrm>
-            <a:off x="1356281" y="1620461"/>
-            <a:ext cx="1687774" cy="415450"/>
+            <a:off x="4507637" y="5005490"/>
+            <a:ext cx="5183652" cy="547178"/>
           </a:xfrm>
           <a:prstGeom prst="rect">
             <a:avLst/>
@@ -4573,163 +4605,10 @@
           </a:p>
         </p:txBody>
       </p:sp>
-      <p:sp>
-        <p:nvSpPr>
-          <p:cNvPr id="6" name=""/>
-          <p:cNvSpPr/>
-          <p:nvPr/>
-        </p:nvSpPr>
-        <p:spPr>
-          <a:xfrm>
-            <a:off x="3332617" y="2907755"/>
-            <a:ext cx="4119689" cy="709306"/>
-          </a:xfrm>
-          <a:prstGeom prst="rect">
-            <a:avLst/>
-          </a:prstGeom>
-          <a:noFill/>
-          <a:ln w="76200" cap="flat" cmpd="sng" algn="ctr">
-            <a:solidFill>
-              <a:srgbClr val="ff0000">
-                <a:alpha val="100000"/>
-              </a:srgbClr>
-            </a:solidFill>
-            <a:prstDash val="solid"/>
-          </a:ln>
-        </p:spPr>
-        <p:txBody>
-          <a:bodyPr anchor="ctr"/>
-          <a:p>
-            <a:pPr marL="0" indent="0" algn="ctr" defTabSz="914400" rtl="0" eaLnBrk="1" latinLnBrk="1" hangingPunct="1">
-              <a:lnSpc>
-                <a:spcPct val="100000"/>
-              </a:lnSpc>
-              <a:spcBef>
-                <a:spcPct val="0"/>
-              </a:spcBef>
-              <a:spcAft>
-                <a:spcPts val="0"/>
-              </a:spcAft>
-              <a:buNone/>
-              <a:defRPr/>
-            </a:pPr>
-            <a:endParaRPr xmlns:mc="http://schemas.openxmlformats.org/markup-compatibility/2006" xmlns:hp="http://schemas.haansoft.com/office/presentation/8.0" kumimoji="0" lang="ko-KR" altLang="en-US" sz="1800" b="0" i="0" u="none" strike="noStrike" kern="1200" cap="none" spc="0" normalizeH="0" baseline="0" mc:Ignorable="hp" hp:hslEmbossed="0">
-              <a:solidFill>
-                <a:srgbClr val="ffffff"/>
-              </a:solidFill>
-              <a:latin typeface="Calibri"/>
-              <a:ea typeface="맑은 고딕"/>
-              <a:cs typeface="맑은 고딕"/>
-            </a:endParaRPr>
-          </a:p>
-        </p:txBody>
-      </p:sp>
-      <p:sp>
-        <p:nvSpPr>
-          <p:cNvPr id="7" name=""/>
-          <p:cNvSpPr/>
-          <p:nvPr/>
-        </p:nvSpPr>
-        <p:spPr>
-          <a:xfrm>
-            <a:off x="7750597" y="4265574"/>
-            <a:ext cx="2934131" cy="1205822"/>
-          </a:xfrm>
-          <a:prstGeom prst="rect">
-            <a:avLst/>
-          </a:prstGeom>
-          <a:noFill/>
-          <a:ln w="76200" cap="flat" cmpd="sng" algn="ctr">
-            <a:solidFill>
-              <a:srgbClr val="ff0000">
-                <a:alpha val="100000"/>
-              </a:srgbClr>
-            </a:solidFill>
-            <a:prstDash val="solid"/>
-          </a:ln>
-        </p:spPr>
-        <p:txBody>
-          <a:bodyPr anchor="ctr"/>
-          <a:p>
-            <a:pPr marL="0" indent="0" algn="ctr" defTabSz="914400" rtl="0" eaLnBrk="1" latinLnBrk="1" hangingPunct="1">
-              <a:lnSpc>
-                <a:spcPct val="100000"/>
-              </a:lnSpc>
-              <a:spcBef>
-                <a:spcPct val="0"/>
-              </a:spcBef>
-              <a:spcAft>
-                <a:spcPts val="0"/>
-              </a:spcAft>
-              <a:buNone/>
-              <a:defRPr/>
-            </a:pPr>
-            <a:endParaRPr xmlns:mc="http://schemas.openxmlformats.org/markup-compatibility/2006" xmlns:hp="http://schemas.haansoft.com/office/presentation/8.0" kumimoji="0" lang="ko-KR" altLang="en-US" sz="1800" b="0" i="0" u="none" strike="noStrike" kern="1200" cap="none" spc="0" normalizeH="0" baseline="0" mc:Ignorable="hp" hp:hslEmbossed="0">
-              <a:solidFill>
-                <a:srgbClr val="ffffff"/>
-              </a:solidFill>
-              <a:latin typeface="Calibri"/>
-              <a:ea typeface="맑은 고딕"/>
-              <a:cs typeface="맑은 고딕"/>
-            </a:endParaRPr>
-          </a:p>
-        </p:txBody>
-      </p:sp>
-      <p:sp>
-        <p:nvSpPr>
-          <p:cNvPr id="8" name=""/>
-          <p:cNvSpPr/>
-          <p:nvPr/>
-        </p:nvSpPr>
-        <p:spPr>
-          <a:xfrm>
-            <a:off x="9665730" y="5744989"/>
-            <a:ext cx="1140593" cy="415450"/>
-          </a:xfrm>
-          <a:prstGeom prst="rect">
-            <a:avLst/>
-          </a:prstGeom>
-          <a:noFill/>
-          <a:ln w="76200" cap="flat" cmpd="sng" algn="ctr">
-            <a:solidFill>
-              <a:srgbClr val="ff0000">
-                <a:alpha val="100000"/>
-              </a:srgbClr>
-            </a:solidFill>
-            <a:prstDash val="solid"/>
-          </a:ln>
-        </p:spPr>
-        <p:txBody>
-          <a:bodyPr anchor="ctr"/>
-          <a:p>
-            <a:pPr marL="0" indent="0" algn="ctr" defTabSz="914400" rtl="0" eaLnBrk="1" latinLnBrk="1" hangingPunct="1">
-              <a:lnSpc>
-                <a:spcPct val="100000"/>
-              </a:lnSpc>
-              <a:spcBef>
-                <a:spcPct val="0"/>
-              </a:spcBef>
-              <a:spcAft>
-                <a:spcPts val="0"/>
-              </a:spcAft>
-              <a:buNone/>
-              <a:defRPr/>
-            </a:pPr>
-            <a:endParaRPr xmlns:mc="http://schemas.openxmlformats.org/markup-compatibility/2006" xmlns:hp="http://schemas.haansoft.com/office/presentation/8.0" kumimoji="0" lang="ko-KR" altLang="en-US" sz="1800" b="0" i="0" u="none" strike="noStrike" kern="1200" cap="none" spc="0" normalizeH="0" baseline="0" mc:Ignorable="hp" hp:hslEmbossed="0">
-              <a:solidFill>
-                <a:srgbClr val="ffffff"/>
-              </a:solidFill>
-              <a:latin typeface="Calibri"/>
-              <a:ea typeface="맑은 고딕"/>
-              <a:cs typeface="맑은 고딕"/>
-            </a:endParaRPr>
-          </a:p>
-        </p:txBody>
-      </p:sp>
     </p:spTree>
     <p:extLst>
       <p:ext uri="{BB962C8B-B14F-4D97-AF65-F5344CB8AC3E}">
-        <p14:creationId xmlns:p14="http://schemas.microsoft.com/office/powerpoint/2010/main" val="283523835"/>
+        <p14:creationId xmlns:p14="http://schemas.microsoft.com/office/powerpoint/2010/main" val="63522238"/>
       </p:ext>
     </p:extLst>
   </p:cSld>
@@ -4780,8 +4659,8 @@
         </p:blipFill>
         <p:spPr>
           <a:xfrm>
-            <a:off x="0" y="209258"/>
-            <a:ext cx="12192000" cy="6439482"/>
+            <a:off x="1233487" y="590550"/>
+            <a:ext cx="9725025" cy="5676900"/>
           </a:xfrm>
           <a:prstGeom prst="rect">
             <a:avLst/>
@@ -4796,8 +4675,8 @@
         </p:nvSpPr>
         <p:spPr>
           <a:xfrm>
-            <a:off x="1245224" y="4377031"/>
-            <a:ext cx="8132349" cy="2271710"/>
+            <a:off x="9634926" y="1134084"/>
+            <a:ext cx="1069662" cy="415450"/>
           </a:xfrm>
           <a:prstGeom prst="rect">
             <a:avLst/>
@@ -4839,284 +4718,10 @@
           </a:p>
         </p:txBody>
       </p:sp>
-      <p:sp>
-        <p:nvSpPr>
-          <p:cNvPr id="6" name=""/>
-          <p:cNvSpPr txBox="1"/>
-          <p:nvPr/>
-        </p:nvSpPr>
-        <p:spPr>
-          <a:xfrm>
-            <a:off x="3096637" y="4753967"/>
-            <a:ext cx="5302833" cy="635278"/>
-          </a:xfrm>
-          <a:prstGeom prst="rect">
-            <a:avLst/>
-          </a:prstGeom>
-        </p:spPr>
-        <p:txBody>
-          <a:bodyPr wrap="square">
-            <a:spAutoFit/>
-          </a:bodyPr>
-          <a:p>
-            <a:pPr>
-              <a:defRPr/>
-            </a:pPr>
-            <a:r>
-              <a:rPr lang="ko-KR" altLang="en-US">
-                <a:solidFill>
-                  <a:schemeClr val="lt1"/>
-                </a:solidFill>
-                <a:latin typeface="맑은 고딕"/>
-              </a:rPr>
-              <a:t>우클릭 </a:t>
-            </a:r>
-            <a:r>
-              <a:rPr lang="en-US" altLang="ko-KR">
-                <a:solidFill>
-                  <a:schemeClr val="lt1"/>
-                </a:solidFill>
-                <a:latin typeface="맑은 고딕"/>
-              </a:rPr>
-              <a:t>-&gt;</a:t>
-            </a:r>
-            <a:r>
-              <a:rPr lang="ko-KR" altLang="en-US">
-                <a:solidFill>
-                  <a:schemeClr val="lt1"/>
-                </a:solidFill>
-                <a:latin typeface="맑은 고딕"/>
-              </a:rPr>
-              <a:t> </a:t>
-            </a:r>
-            <a:r>
-              <a:rPr lang="en-US" altLang="ko-KR">
-                <a:solidFill>
-                  <a:schemeClr val="lt1"/>
-                </a:solidFill>
-                <a:latin typeface="맑은 고딕"/>
-              </a:rPr>
-              <a:t>Create -&gt; C# Script -&gt; HelloUnity</a:t>
-            </a:r>
-            <a:r>
-              <a:rPr lang="ko-KR" altLang="en-US">
-                <a:solidFill>
-                  <a:schemeClr val="lt1"/>
-                </a:solidFill>
-                <a:latin typeface="맑은 고딕"/>
-              </a:rPr>
-              <a:t>생성 </a:t>
-            </a:r>
-            <a:r>
-              <a:rPr lang="en-US" altLang="ko-KR">
-                <a:solidFill>
-                  <a:schemeClr val="lt1"/>
-                </a:solidFill>
-                <a:latin typeface="맑은 고딕"/>
-              </a:rPr>
-              <a:t>-&gt;</a:t>
-            </a:r>
-            <a:r>
-              <a:rPr lang="ko-KR" altLang="en-US">
-                <a:solidFill>
-                  <a:schemeClr val="lt1"/>
-                </a:solidFill>
-                <a:latin typeface="맑은 고딕"/>
-              </a:rPr>
-              <a:t> 더블클릭</a:t>
-            </a:r>
-            <a:r>
-              <a:rPr lang="en-US" altLang="ko-KR">
-                <a:solidFill>
-                  <a:schemeClr val="lt1"/>
-                </a:solidFill>
-                <a:latin typeface="맑은 고딕"/>
-              </a:rPr>
-              <a:t> </a:t>
-            </a:r>
-            <a:endParaRPr lang="en-US" altLang="ko-KR">
-              <a:solidFill>
-                <a:schemeClr val="lt1"/>
-              </a:solidFill>
-              <a:latin typeface="맑은 고딕"/>
-            </a:endParaRPr>
-          </a:p>
-        </p:txBody>
-      </p:sp>
-      <p:pic>
-        <p:nvPicPr>
-          <p:cNvPr id="7" name=""/>
-          <p:cNvPicPr>
-            <a:picLocks noChangeAspect="1"/>
-          </p:cNvPicPr>
-          <p:nvPr/>
-        </p:nvPicPr>
-        <p:blipFill rotWithShape="1">
-          <a:blip r:embed="rId3"/>
-          <a:stretch>
-            <a:fillRect/>
-          </a:stretch>
-        </p:blipFill>
-        <p:spPr>
-          <a:xfrm>
-            <a:off x="1355387" y="4617536"/>
-            <a:ext cx="1156229" cy="631892"/>
-          </a:xfrm>
-          <a:prstGeom prst="rect">
-            <a:avLst/>
-          </a:prstGeom>
-        </p:spPr>
-      </p:pic>
-      <p:sp>
-        <p:nvSpPr>
-          <p:cNvPr id="8" name=""/>
-          <p:cNvSpPr/>
-          <p:nvPr/>
-        </p:nvSpPr>
-        <p:spPr>
-          <a:xfrm>
-            <a:off x="328511" y="1189611"/>
-            <a:ext cx="648510" cy="192526"/>
-          </a:xfrm>
-          <a:prstGeom prst="rect">
-            <a:avLst/>
-          </a:prstGeom>
-          <a:noFill/>
-          <a:ln w="76200">
-            <a:solidFill>
-              <a:srgbClr val="ff0000"/>
-            </a:solidFill>
-          </a:ln>
-        </p:spPr>
-        <p:style>
-          <a:lnRef idx="2">
-            <a:schemeClr val="accent1">
-              <a:shade val="20000"/>
-            </a:schemeClr>
-          </a:lnRef>
-          <a:fillRef idx="1">
-            <a:schemeClr val="accent1"/>
-          </a:fillRef>
-          <a:effectRef idx="0">
-            <a:schemeClr val="accent1"/>
-          </a:effectRef>
-          <a:fontRef idx="minor">
-            <a:schemeClr val="lt1"/>
-          </a:fontRef>
-        </p:style>
-        <p:txBody>
-          <a:bodyPr anchor="ctr"/>
-          <a:p>
-            <a:pPr algn="ctr">
-              <a:defRPr/>
-            </a:pPr>
-            <a:endParaRPr lang="ko-KR" altLang="en-US"/>
-          </a:p>
-        </p:txBody>
-      </p:sp>
-      <p:sp>
-        <p:nvSpPr>
-          <p:cNvPr id="10" name=""/>
-          <p:cNvSpPr txBox="1"/>
-          <p:nvPr/>
-        </p:nvSpPr>
-        <p:spPr>
-          <a:xfrm>
-            <a:off x="125943" y="1564531"/>
-            <a:ext cx="2458888" cy="643364"/>
-          </a:xfrm>
-          <a:prstGeom prst="rect">
-            <a:avLst/>
-          </a:prstGeom>
-        </p:spPr>
-        <p:txBody>
-          <a:bodyPr wrap="square">
-            <a:spAutoFit/>
-          </a:bodyPr>
-          <a:p>
-            <a:pPr marL="0" indent="0" algn="l" defTabSz="914400" rtl="0" eaLnBrk="1" latinLnBrk="1" hangingPunct="1">
-              <a:lnSpc>
-                <a:spcPct val="100000"/>
-              </a:lnSpc>
-              <a:spcBef>
-                <a:spcPct val="0"/>
-              </a:spcBef>
-              <a:spcAft>
-                <a:spcPts val="0"/>
-              </a:spcAft>
-              <a:buNone/>
-              <a:defRPr/>
-            </a:pPr>
-            <a:r>
-              <a:rPr xmlns:mc="http://schemas.openxmlformats.org/markup-compatibility/2006" xmlns:hp="http://schemas.haansoft.com/office/presentation/8.0" kumimoji="0" lang="ko-KR" altLang="en-US" sz="1800" b="0" i="0" u="none" strike="noStrike" kern="1200" cap="none" spc="0" normalizeH="0" baseline="0" mc:Ignorable="hp" hp:hslEmbossed="0">
-                <a:solidFill>
-                  <a:srgbClr val="ffffff"/>
-                </a:solidFill>
-                <a:latin typeface="맑은 고딕"/>
-              </a:rPr>
-              <a:t>우클릭</a:t>
-            </a:r>
-            <a:endParaRPr xmlns:mc="http://schemas.openxmlformats.org/markup-compatibility/2006" xmlns:hp="http://schemas.haansoft.com/office/presentation/8.0" kumimoji="0" lang="en-US" altLang="ko-KR" sz="1800" b="0" i="0" u="none" strike="noStrike" kern="1200" cap="none" spc="0" normalizeH="0" baseline="0" mc:Ignorable="hp" hp:hslEmbossed="0">
-              <a:solidFill>
-                <a:srgbClr val="ffffff"/>
-              </a:solidFill>
-              <a:latin typeface="맑은 고딕"/>
-            </a:endParaRPr>
-          </a:p>
-          <a:p>
-            <a:pPr marL="0" indent="0" algn="l" defTabSz="914400" rtl="0" eaLnBrk="1" latinLnBrk="1" hangingPunct="1">
-              <a:lnSpc>
-                <a:spcPct val="100000"/>
-              </a:lnSpc>
-              <a:spcBef>
-                <a:spcPct val="0"/>
-              </a:spcBef>
-              <a:spcAft>
-                <a:spcPts val="0"/>
-              </a:spcAft>
-              <a:buNone/>
-              <a:defRPr/>
-            </a:pPr>
-            <a:r>
-              <a:rPr xmlns:mc="http://schemas.openxmlformats.org/markup-compatibility/2006" xmlns:hp="http://schemas.haansoft.com/office/presentation/8.0" kumimoji="0" lang="en-US" altLang="ko-KR" sz="1800" b="0" i="0" u="none" strike="noStrike" kern="1200" cap="none" spc="0" normalizeH="0" baseline="0" mc:Ignorable="hp" hp:hslEmbossed="0">
-                <a:solidFill>
-                  <a:srgbClr val="ffffff"/>
-                </a:solidFill>
-                <a:latin typeface="맑은 고딕"/>
-              </a:rPr>
-              <a:t>-&gt;</a:t>
-            </a:r>
-            <a:r>
-              <a:rPr xmlns:mc="http://schemas.openxmlformats.org/markup-compatibility/2006" xmlns:hp="http://schemas.haansoft.com/office/presentation/8.0" kumimoji="0" lang="ko-KR" altLang="en-US" sz="1800" b="0" i="0" u="none" strike="noStrike" kern="1200" cap="none" spc="0" normalizeH="0" baseline="0" mc:Ignorable="hp" hp:hslEmbossed="0">
-                <a:solidFill>
-                  <a:srgbClr val="ffffff"/>
-                </a:solidFill>
-                <a:latin typeface="맑은 고딕"/>
-              </a:rPr>
-              <a:t> </a:t>
-            </a:r>
-            <a:r>
-              <a:rPr xmlns:mc="http://schemas.openxmlformats.org/markup-compatibility/2006" xmlns:hp="http://schemas.haansoft.com/office/presentation/8.0" kumimoji="0" lang="en-US" altLang="ko-KR" sz="1800" b="0" i="0" u="none" strike="noStrike" kern="1200" cap="none" spc="0" normalizeH="0" baseline="0" mc:Ignorable="hp" hp:hslEmbossed="0">
-                <a:solidFill>
-                  <a:srgbClr val="ffffff"/>
-                </a:solidFill>
-                <a:latin typeface="맑은 고딕"/>
-              </a:rPr>
-              <a:t>Create Empty</a:t>
-            </a:r>
-            <a:endParaRPr xmlns:mc="http://schemas.openxmlformats.org/markup-compatibility/2006" xmlns:hp="http://schemas.haansoft.com/office/presentation/8.0" kumimoji="0" lang="ko-KR" altLang="en-US" sz="1800" b="0" i="0" u="none" strike="noStrike" kern="1200" cap="none" spc="0" normalizeH="0" baseline="0" mc:Ignorable="hp" hp:hslEmbossed="0">
-              <a:solidFill>
-                <a:srgbClr val="ffffff"/>
-              </a:solidFill>
-              <a:latin typeface="맑은 고딕"/>
-            </a:endParaRPr>
-          </a:p>
-        </p:txBody>
-      </p:sp>
     </p:spTree>
     <p:extLst>
       <p:ext uri="{BB962C8B-B14F-4D97-AF65-F5344CB8AC3E}">
-        <p14:creationId xmlns:p14="http://schemas.microsoft.com/office/powerpoint/2010/main" val="2956622868"/>
+        <p14:creationId xmlns:p14="http://schemas.microsoft.com/office/powerpoint/2010/main" val="3197568671"/>
       </p:ext>
     </p:extLst>
   </p:cSld>
@@ -5167,8 +4772,8 @@
         </p:blipFill>
         <p:spPr>
           <a:xfrm>
-            <a:off x="0" y="322881"/>
-            <a:ext cx="12192000" cy="6212237"/>
+            <a:off x="1223962" y="595312"/>
+            <a:ext cx="9744075" cy="5667374"/>
           </a:xfrm>
           <a:prstGeom prst="rect">
             <a:avLst/>
@@ -5183,8 +4788,8 @@
         </p:nvSpPr>
         <p:spPr>
           <a:xfrm>
-            <a:off x="318377" y="1028700"/>
-            <a:ext cx="648510" cy="192526"/>
+            <a:off x="1356281" y="1620461"/>
+            <a:ext cx="1687774" cy="415450"/>
           </a:xfrm>
           <a:prstGeom prst="rect">
             <a:avLst/>
@@ -5229,73 +4834,13 @@
       <p:sp>
         <p:nvSpPr>
           <p:cNvPr id="6" name=""/>
-          <p:cNvSpPr txBox="1"/>
-          <p:nvPr/>
-        </p:nvSpPr>
-        <p:spPr>
-          <a:xfrm>
-            <a:off x="186740" y="1382137"/>
-            <a:ext cx="2458888" cy="367139"/>
-          </a:xfrm>
-          <a:prstGeom prst="rect">
-            <a:avLst/>
-          </a:prstGeom>
-        </p:spPr>
-        <p:txBody>
-          <a:bodyPr wrap="square">
-            <a:spAutoFit/>
-          </a:bodyPr>
-          <a:p>
-            <a:pPr marL="0" indent="0" algn="l" defTabSz="914400" rtl="0" eaLnBrk="1" latinLnBrk="1" hangingPunct="1">
-              <a:lnSpc>
-                <a:spcPct val="100000"/>
-              </a:lnSpc>
-              <a:spcBef>
-                <a:spcPct val="0"/>
-              </a:spcBef>
-              <a:spcAft>
-                <a:spcPts val="0"/>
-              </a:spcAft>
-              <a:buNone/>
-              <a:defRPr/>
-            </a:pPr>
-            <a:r>
-              <a:rPr xmlns:mc="http://schemas.openxmlformats.org/markup-compatibility/2006" xmlns:hp="http://schemas.haansoft.com/office/presentation/8.0" kumimoji="0" lang="en-US" altLang="ko-KR" sz="1800" b="0" i="0" u="none" strike="noStrike" kern="1200" cap="none" spc="0" normalizeH="0" baseline="0" mc:Ignorable="hp" hp:hslEmbossed="0">
-                <a:solidFill>
-                  <a:srgbClr val="ffffff"/>
-                </a:solidFill>
-                <a:latin typeface="맑은 고딕"/>
-              </a:rPr>
-              <a:t>1.</a:t>
-            </a:r>
-            <a:r>
-              <a:rPr xmlns:mc="http://schemas.openxmlformats.org/markup-compatibility/2006" xmlns:hp="http://schemas.haansoft.com/office/presentation/8.0" kumimoji="0" lang="ko-KR" altLang="en-US" sz="1800" b="0" i="0" u="none" strike="noStrike" kern="1200" cap="none" spc="0" normalizeH="0" baseline="0" mc:Ignorable="hp" hp:hslEmbossed="0">
-                <a:solidFill>
-                  <a:srgbClr val="ffffff"/>
-                </a:solidFill>
-                <a:latin typeface="맑은 고딕"/>
-              </a:rPr>
-              <a:t> 더블클릭</a:t>
-            </a:r>
-            <a:endParaRPr xmlns:mc="http://schemas.openxmlformats.org/markup-compatibility/2006" xmlns:hp="http://schemas.haansoft.com/office/presentation/8.0" kumimoji="0" lang="ko-KR" altLang="en-US" sz="1800" b="0" i="0" u="none" strike="noStrike" kern="1200" cap="none" spc="0" normalizeH="0" baseline="0" mc:Ignorable="hp" hp:hslEmbossed="0">
-              <a:solidFill>
-                <a:srgbClr val="ffffff"/>
-              </a:solidFill>
-              <a:latin typeface="맑은 고딕"/>
-            </a:endParaRPr>
-          </a:p>
-        </p:txBody>
-      </p:sp>
-      <p:sp>
-        <p:nvSpPr>
-          <p:cNvPr id="7" name=""/>
           <p:cNvSpPr/>
           <p:nvPr/>
         </p:nvSpPr>
         <p:spPr>
           <a:xfrm>
-            <a:off x="1870344" y="4494584"/>
-            <a:ext cx="466116" cy="597845"/>
+            <a:off x="3332617" y="2907755"/>
+            <a:ext cx="4119689" cy="709306"/>
           </a:xfrm>
           <a:prstGeom prst="rect">
             <a:avLst/>
@@ -5339,112 +4884,14 @@
       </p:sp>
       <p:sp>
         <p:nvSpPr>
-          <p:cNvPr id="8" name=""/>
-          <p:cNvSpPr txBox="1"/>
-          <p:nvPr/>
-        </p:nvSpPr>
-        <p:spPr>
-          <a:xfrm>
-            <a:off x="2645628" y="4725290"/>
-            <a:ext cx="2458888" cy="367139"/>
-          </a:xfrm>
-          <a:prstGeom prst="rect">
-            <a:avLst/>
-          </a:prstGeom>
-        </p:spPr>
-        <p:txBody>
-          <a:bodyPr wrap="square">
-            <a:spAutoFit/>
-          </a:bodyPr>
-          <a:p>
-            <a:pPr marL="0" indent="0" algn="l" defTabSz="914400" rtl="0" eaLnBrk="1" latinLnBrk="1" hangingPunct="1">
-              <a:lnSpc>
-                <a:spcPct val="100000"/>
-              </a:lnSpc>
-              <a:spcBef>
-                <a:spcPct val="0"/>
-              </a:spcBef>
-              <a:spcAft>
-                <a:spcPts val="0"/>
-              </a:spcAft>
-              <a:buNone/>
-              <a:defRPr/>
-            </a:pPr>
-            <a:r>
-              <a:rPr xmlns:mc="http://schemas.openxmlformats.org/markup-compatibility/2006" xmlns:hp="http://schemas.haansoft.com/office/presentation/8.0" kumimoji="0" lang="en-US" altLang="ko-KR" sz="1800" b="0" i="0" u="none" strike="noStrike" kern="1200" cap="none" spc="0" normalizeH="0" baseline="0" mc:Ignorable="hp" hp:hslEmbossed="0">
-                <a:solidFill>
-                  <a:srgbClr val="ffffff"/>
-                </a:solidFill>
-                <a:latin typeface="맑은 고딕"/>
-              </a:rPr>
-              <a:t>2.</a:t>
-            </a:r>
-            <a:r>
-              <a:rPr xmlns:mc="http://schemas.openxmlformats.org/markup-compatibility/2006" xmlns:hp="http://schemas.haansoft.com/office/presentation/8.0" kumimoji="0" lang="ko-KR" altLang="en-US" sz="1800" b="0" i="0" u="none" strike="noStrike" kern="1200" cap="none" spc="0" normalizeH="0" baseline="0" mc:Ignorable="hp" hp:hslEmbossed="0">
-                <a:solidFill>
-                  <a:srgbClr val="ffffff"/>
-                </a:solidFill>
-                <a:latin typeface="맑은 고딕"/>
-              </a:rPr>
-              <a:t> 드래그 앤 드롭</a:t>
-            </a:r>
-            <a:endParaRPr xmlns:mc="http://schemas.openxmlformats.org/markup-compatibility/2006" xmlns:hp="http://schemas.haansoft.com/office/presentation/8.0" kumimoji="0" lang="ko-KR" altLang="en-US" sz="1800" b="0" i="0" u="none" strike="noStrike" kern="1200" cap="none" spc="0" normalizeH="0" baseline="0" mc:Ignorable="hp" hp:hslEmbossed="0">
-              <a:solidFill>
-                <a:srgbClr val="ffffff"/>
-              </a:solidFill>
-              <a:latin typeface="맑은 고딕"/>
-            </a:endParaRPr>
-          </a:p>
-        </p:txBody>
-      </p:sp>
-      <p:cxnSp>
-        <p:nvCxnSpPr>
-          <p:cNvPr id="9" name=""/>
-          <p:cNvCxnSpPr>
-            <a:stCxn id="8" idx="3"/>
-          </p:cNvCxnSpPr>
-          <p:nvPr/>
-        </p:nvCxnSpPr>
-        <p:spPr>
-          <a:xfrm flipV="1">
-            <a:off x="5104517" y="2131978"/>
-            <a:ext cx="5267600" cy="2776881"/>
-          </a:xfrm>
-          <a:prstGeom prst="straightConnector1">
-            <a:avLst/>
-          </a:prstGeom>
-          <a:ln>
-            <a:solidFill>
-              <a:srgbClr val="ff0000"/>
-            </a:solidFill>
-            <a:tailEnd type="arrow"/>
-          </a:ln>
-        </p:spPr>
-        <p:style>
-          <a:lnRef idx="1">
-            <a:schemeClr val="accent1"/>
-          </a:lnRef>
-          <a:fillRef idx="0">
-            <a:schemeClr val="accent1"/>
-          </a:fillRef>
-          <a:effectRef idx="0">
-            <a:schemeClr val="accent1"/>
-          </a:effectRef>
-          <a:fontRef idx="minor">
-            <a:schemeClr val="tx1"/>
-          </a:fontRef>
-        </p:style>
-      </p:cxnSp>
-      <p:sp>
-        <p:nvSpPr>
-          <p:cNvPr id="10" name=""/>
+          <p:cNvPr id="7" name=""/>
           <p:cNvSpPr/>
           <p:nvPr/>
         </p:nvSpPr>
         <p:spPr>
           <a:xfrm>
-            <a:off x="5786741" y="332406"/>
-            <a:ext cx="233058" cy="149461"/>
+            <a:off x="7750597" y="4265574"/>
+            <a:ext cx="2934131" cy="1205822"/>
           </a:xfrm>
           <a:prstGeom prst="rect">
             <a:avLst/>
@@ -5488,25 +4935,32 @@
       </p:sp>
       <p:sp>
         <p:nvSpPr>
-          <p:cNvPr id="11" name=""/>
-          <p:cNvSpPr txBox="1"/>
+          <p:cNvPr id="8" name=""/>
+          <p:cNvSpPr/>
           <p:nvPr/>
         </p:nvSpPr>
         <p:spPr>
           <a:xfrm>
-            <a:off x="5289562" y="740678"/>
-            <a:ext cx="3735642" cy="641459"/>
+            <a:off x="9665730" y="5744989"/>
+            <a:ext cx="1140593" cy="415450"/>
           </a:xfrm>
           <a:prstGeom prst="rect">
             <a:avLst/>
           </a:prstGeom>
-        </p:spPr>
-        <p:txBody>
-          <a:bodyPr wrap="square">
-            <a:spAutoFit/>
-          </a:bodyPr>
-          <a:p>
-            <a:pPr marL="0" indent="0" algn="l" defTabSz="914400" rtl="0" eaLnBrk="1" latinLnBrk="1" hangingPunct="1">
+          <a:noFill/>
+          <a:ln w="76200" cap="flat" cmpd="sng" algn="ctr">
+            <a:solidFill>
+              <a:srgbClr val="ff0000">
+                <a:alpha val="100000"/>
+              </a:srgbClr>
+            </a:solidFill>
+            <a:prstDash val="solid"/>
+          </a:ln>
+        </p:spPr>
+        <p:txBody>
+          <a:bodyPr anchor="ctr"/>
+          <a:p>
+            <a:pPr marL="0" indent="0" algn="ctr" defTabSz="914400" rtl="0" eaLnBrk="1" latinLnBrk="1" hangingPunct="1">
               <a:lnSpc>
                 <a:spcPct val="100000"/>
               </a:lnSpc>
@@ -5519,95 +4973,13 @@
               <a:buNone/>
               <a:defRPr/>
             </a:pPr>
-            <a:r>
-              <a:rPr xmlns:mc="http://schemas.openxmlformats.org/markup-compatibility/2006" xmlns:hp="http://schemas.haansoft.com/office/presentation/8.0" kumimoji="0" lang="en-US" altLang="ko-KR" sz="1800" b="0" i="0" u="none" strike="noStrike" kern="1200" cap="none" spc="0" normalizeH="0" baseline="0" mc:Ignorable="hp" hp:hslEmbossed="0">
-                <a:solidFill>
-                  <a:srgbClr val="ff0000"/>
-                </a:solidFill>
-                <a:latin typeface="맑은 고딕"/>
-              </a:rPr>
-              <a:t>3.</a:t>
-            </a:r>
-            <a:r>
-              <a:rPr xmlns:mc="http://schemas.openxmlformats.org/markup-compatibility/2006" xmlns:hp="http://schemas.haansoft.com/office/presentation/8.0" kumimoji="0" lang="ko-KR" altLang="en-US" sz="1800" b="0" i="0" u="none" strike="noStrike" kern="1200" cap="none" spc="0" normalizeH="0" baseline="0" mc:Ignorable="hp" hp:hslEmbossed="0">
-                <a:solidFill>
-                  <a:srgbClr val="ff0000"/>
-                </a:solidFill>
-                <a:latin typeface="맑은 고딕"/>
-              </a:rPr>
-              <a:t> </a:t>
-            </a:r>
-            <a:r>
-              <a:rPr xmlns:mc="http://schemas.openxmlformats.org/markup-compatibility/2006" xmlns:hp="http://schemas.haansoft.com/office/presentation/8.0" kumimoji="0" lang="en-US" altLang="ko-KR" sz="1800" b="0" i="0" u="none" strike="noStrike" kern="1200" cap="none" spc="0" normalizeH="0" baseline="0" mc:Ignorable="hp" hp:hslEmbossed="0">
-                <a:solidFill>
-                  <a:srgbClr val="ff0000"/>
-                </a:solidFill>
-                <a:latin typeface="맑은 고딕"/>
-              </a:rPr>
-              <a:t>Play</a:t>
-            </a:r>
-            <a:r>
-              <a:rPr xmlns:mc="http://schemas.openxmlformats.org/markup-compatibility/2006" xmlns:hp="http://schemas.haansoft.com/office/presentation/8.0" kumimoji="0" lang="ko-KR" altLang="en-US" sz="1800" b="0" i="0" u="none" strike="noStrike" kern="1200" cap="none" spc="0" normalizeH="0" baseline="0" mc:Ignorable="hp" hp:hslEmbossed="0">
-                <a:solidFill>
-                  <a:srgbClr val="ff0000"/>
-                </a:solidFill>
-                <a:latin typeface="맑은 고딕"/>
-              </a:rPr>
-              <a:t>버튼 클릭 후</a:t>
-            </a:r>
             <a:endParaRPr xmlns:mc="http://schemas.openxmlformats.org/markup-compatibility/2006" xmlns:hp="http://schemas.haansoft.com/office/presentation/8.0" kumimoji="0" lang="ko-KR" altLang="en-US" sz="1800" b="0" i="0" u="none" strike="noStrike" kern="1200" cap="none" spc="0" normalizeH="0" baseline="0" mc:Ignorable="hp" hp:hslEmbossed="0">
               <a:solidFill>
-                <a:srgbClr val="ff0000"/>
+                <a:srgbClr val="ffffff"/>
               </a:solidFill>
-              <a:latin typeface="맑은 고딕"/>
-            </a:endParaRPr>
-          </a:p>
-          <a:p>
-            <a:pPr marL="0" indent="0" algn="l" defTabSz="914400" rtl="0" eaLnBrk="1" latinLnBrk="1" hangingPunct="1">
-              <a:lnSpc>
-                <a:spcPct val="100000"/>
-              </a:lnSpc>
-              <a:spcBef>
-                <a:spcPct val="0"/>
-              </a:spcBef>
-              <a:spcAft>
-                <a:spcPts val="0"/>
-              </a:spcAft>
-              <a:buNone/>
-              <a:defRPr/>
-            </a:pPr>
-            <a:r>
-              <a:rPr xmlns:mc="http://schemas.openxmlformats.org/markup-compatibility/2006" xmlns:hp="http://schemas.haansoft.com/office/presentation/8.0" kumimoji="0" lang="ko-KR" altLang="en-US" sz="1800" b="0" i="0" u="none" strike="noStrike" kern="1200" cap="none" spc="0" normalizeH="0" baseline="0" mc:Ignorable="hp" hp:hslEmbossed="0">
-                <a:solidFill>
-                  <a:srgbClr val="ff0000"/>
-                </a:solidFill>
-                <a:latin typeface="맑은 고딕"/>
-              </a:rPr>
-              <a:t>   </a:t>
-            </a:r>
-            <a:r>
-              <a:rPr xmlns:mc="http://schemas.openxmlformats.org/markup-compatibility/2006" xmlns:hp="http://schemas.haansoft.com/office/presentation/8.0" kumimoji="0" lang="en-US" altLang="ko-KR" sz="1800" b="0" i="0" u="none" strike="noStrike" kern="1200" cap="none" spc="0" normalizeH="0" baseline="0" mc:Ignorable="hp" hp:hslEmbossed="0">
-                <a:solidFill>
-                  <a:srgbClr val="ff0000"/>
-                </a:solidFill>
-                <a:latin typeface="맑은 고딕"/>
-              </a:rPr>
-              <a:t>ctrl + shift + c</a:t>
-            </a:r>
-            <a:r>
-              <a:rPr xmlns:mc="http://schemas.openxmlformats.org/markup-compatibility/2006" xmlns:hp="http://schemas.haansoft.com/office/presentation/8.0" kumimoji="0" lang="ko-KR" altLang="en-US" sz="1800" b="0" i="0" u="none" strike="noStrike" kern="1200" cap="none" spc="0" normalizeH="0" baseline="0" mc:Ignorable="hp" hp:hslEmbossed="0">
-                <a:solidFill>
-                  <a:srgbClr val="ff0000"/>
-                </a:solidFill>
-                <a:latin typeface="맑은 고딕"/>
-              </a:rPr>
-              <a:t>로 콘솔창열기</a:t>
-            </a:r>
-            <a:endParaRPr xmlns:mc="http://schemas.openxmlformats.org/markup-compatibility/2006" xmlns:hp="http://schemas.haansoft.com/office/presentation/8.0" kumimoji="0" lang="ko-KR" altLang="en-US" sz="1800" b="0" i="0" u="none" strike="noStrike" kern="1200" cap="none" spc="0" normalizeH="0" baseline="0" mc:Ignorable="hp" hp:hslEmbossed="0">
-              <a:solidFill>
-                <a:srgbClr val="ff0000"/>
-              </a:solidFill>
-              <a:latin typeface="맑은 고딕"/>
+              <a:latin typeface="Calibri"/>
+              <a:ea typeface="맑은 고딕"/>
+              <a:cs typeface="맑은 고딕"/>
             </a:endParaRPr>
           </a:p>
         </p:txBody>
@@ -5615,7 +4987,7 @@
     </p:spTree>
     <p:extLst>
       <p:ext uri="{BB962C8B-B14F-4D97-AF65-F5344CB8AC3E}">
-        <p14:creationId xmlns:p14="http://schemas.microsoft.com/office/powerpoint/2010/main" val="2612457048"/>
+        <p14:creationId xmlns:p14="http://schemas.microsoft.com/office/powerpoint/2010/main" val="283523835"/>
       </p:ext>
     </p:extLst>
   </p:cSld>
@@ -5652,7 +5024,7 @@
       </p:grpSpPr>
       <p:pic>
         <p:nvPicPr>
-          <p:cNvPr id="4" name=""/>
+          <p:cNvPr id="11" name=""/>
           <p:cNvPicPr>
             <a:picLocks noChangeAspect="1"/>
           </p:cNvPicPr>
@@ -5666,8 +5038,8 @@
         </p:blipFill>
         <p:spPr>
           <a:xfrm>
-            <a:off x="4686300" y="1557337"/>
-            <a:ext cx="2819400" cy="3743325"/>
+            <a:off x="0" y="343018"/>
+            <a:ext cx="12192000" cy="6171963"/>
           </a:xfrm>
           <a:prstGeom prst="rect">
             <a:avLst/>
@@ -5677,20 +5049,71 @@
       <p:sp>
         <p:nvSpPr>
           <p:cNvPr id="5" name=""/>
+          <p:cNvSpPr/>
+          <p:nvPr/>
+        </p:nvSpPr>
+        <p:spPr>
+          <a:xfrm>
+            <a:off x="1292849" y="4271648"/>
+            <a:ext cx="8020886" cy="2205233"/>
+          </a:xfrm>
+          <a:prstGeom prst="rect">
+            <a:avLst/>
+          </a:prstGeom>
+          <a:noFill/>
+          <a:ln w="76200" cap="flat" cmpd="sng" algn="ctr">
+            <a:solidFill>
+              <a:srgbClr val="ff0000">
+                <a:alpha val="100000"/>
+              </a:srgbClr>
+            </a:solidFill>
+            <a:prstDash val="solid"/>
+          </a:ln>
+        </p:spPr>
+        <p:txBody>
+          <a:bodyPr anchor="ctr"/>
+          <a:p>
+            <a:pPr marL="0" indent="0" algn="ctr" defTabSz="914400" rtl="0" eaLnBrk="1" latinLnBrk="1" hangingPunct="1">
+              <a:lnSpc>
+                <a:spcPct val="100000"/>
+              </a:lnSpc>
+              <a:spcBef>
+                <a:spcPct val="0"/>
+              </a:spcBef>
+              <a:spcAft>
+                <a:spcPts val="0"/>
+              </a:spcAft>
+              <a:buNone/>
+              <a:defRPr/>
+            </a:pPr>
+            <a:endParaRPr xmlns:mc="http://schemas.openxmlformats.org/markup-compatibility/2006" xmlns:hp="http://schemas.haansoft.com/office/presentation/8.0" kumimoji="0" lang="ko-KR" altLang="en-US" sz="1800" b="0" i="0" u="none" strike="noStrike" kern="1200" cap="none" spc="0" normalizeH="0" baseline="0" mc:Ignorable="hp" hp:hslEmbossed="0">
+              <a:solidFill>
+                <a:srgbClr val="ffffff"/>
+              </a:solidFill>
+              <a:latin typeface="Calibri"/>
+              <a:ea typeface="맑은 고딕"/>
+              <a:cs typeface="맑은 고딕"/>
+            </a:endParaRPr>
+          </a:p>
+        </p:txBody>
+      </p:sp>
+      <p:sp>
+        <p:nvSpPr>
+          <p:cNvPr id="6" name=""/>
           <p:cNvSpPr txBox="1"/>
           <p:nvPr/>
         </p:nvSpPr>
         <p:spPr>
           <a:xfrm>
-            <a:off x="7808467" y="1557337"/>
-            <a:ext cx="2546870" cy="363085"/>
+            <a:off x="3096637" y="4753967"/>
+            <a:ext cx="5302833" cy="635278"/>
           </a:xfrm>
           <a:prstGeom prst="rect">
             <a:avLst/>
           </a:prstGeom>
         </p:spPr>
         <p:txBody>
-          <a:bodyPr wrap="none">
+          <a:bodyPr wrap="square">
             <a:spAutoFit/>
           </a:bodyPr>
           <a:p>
@@ -5698,21 +5121,356 @@
               <a:defRPr/>
             </a:pPr>
             <a:r>
-              <a:rPr lang="en-US" altLang="ko-KR"/>
-              <a:t>Hello Unity </a:t>
-            </a:r>
-            <a:r>
-              <a:rPr lang="ko-KR" altLang="en-US"/>
-              <a:t>찍힌 것 확인</a:t>
-            </a:r>
-            <a:endParaRPr lang="ko-KR" altLang="en-US"/>
+              <a:rPr lang="ko-KR" altLang="en-US">
+                <a:solidFill>
+                  <a:schemeClr val="lt1"/>
+                </a:solidFill>
+                <a:latin typeface="맑은 고딕"/>
+              </a:rPr>
+              <a:t>우클릭 </a:t>
+            </a:r>
+            <a:r>
+              <a:rPr lang="en-US" altLang="ko-KR">
+                <a:solidFill>
+                  <a:schemeClr val="lt1"/>
+                </a:solidFill>
+                <a:latin typeface="맑은 고딕"/>
+              </a:rPr>
+              <a:t>-&gt;</a:t>
+            </a:r>
+            <a:r>
+              <a:rPr lang="ko-KR" altLang="en-US">
+                <a:solidFill>
+                  <a:schemeClr val="lt1"/>
+                </a:solidFill>
+                <a:latin typeface="맑은 고딕"/>
+              </a:rPr>
+              <a:t> </a:t>
+            </a:r>
+            <a:r>
+              <a:rPr lang="en-US" altLang="ko-KR">
+                <a:solidFill>
+                  <a:schemeClr val="lt1"/>
+                </a:solidFill>
+                <a:latin typeface="맑은 고딕"/>
+              </a:rPr>
+              <a:t>Create -&gt; C# Script -&gt; HelloUnity</a:t>
+            </a:r>
+            <a:r>
+              <a:rPr lang="ko-KR" altLang="en-US">
+                <a:solidFill>
+                  <a:schemeClr val="lt1"/>
+                </a:solidFill>
+                <a:latin typeface="맑은 고딕"/>
+              </a:rPr>
+              <a:t>생성 </a:t>
+            </a:r>
+            <a:r>
+              <a:rPr lang="en-US" altLang="ko-KR">
+                <a:solidFill>
+                  <a:schemeClr val="lt1"/>
+                </a:solidFill>
+                <a:latin typeface="맑은 고딕"/>
+              </a:rPr>
+              <a:t>-&gt;</a:t>
+            </a:r>
+            <a:r>
+              <a:rPr lang="ko-KR" altLang="en-US">
+                <a:solidFill>
+                  <a:schemeClr val="lt1"/>
+                </a:solidFill>
+                <a:latin typeface="맑은 고딕"/>
+              </a:rPr>
+              <a:t> 더블클릭</a:t>
+            </a:r>
+            <a:r>
+              <a:rPr lang="en-US" altLang="ko-KR">
+                <a:solidFill>
+                  <a:schemeClr val="lt1"/>
+                </a:solidFill>
+                <a:latin typeface="맑은 고딕"/>
+              </a:rPr>
+              <a:t> </a:t>
+            </a:r>
+            <a:endParaRPr lang="en-US" altLang="ko-KR">
+              <a:solidFill>
+                <a:schemeClr val="lt1"/>
+              </a:solidFill>
+              <a:latin typeface="맑은 고딕"/>
+            </a:endParaRPr>
+          </a:p>
+        </p:txBody>
+      </p:sp>
+      <p:pic>
+        <p:nvPicPr>
+          <p:cNvPr id="7" name=""/>
+          <p:cNvPicPr>
+            <a:picLocks noChangeAspect="1"/>
+          </p:cNvPicPr>
+          <p:nvPr/>
+        </p:nvPicPr>
+        <p:blipFill rotWithShape="1">
+          <a:blip r:embed="rId3"/>
+          <a:stretch>
+            <a:fillRect/>
+          </a:stretch>
+        </p:blipFill>
+        <p:spPr>
+          <a:xfrm>
+            <a:off x="1355387" y="4617536"/>
+            <a:ext cx="1156229" cy="631892"/>
+          </a:xfrm>
+          <a:prstGeom prst="rect">
+            <a:avLst/>
+          </a:prstGeom>
+        </p:spPr>
+      </p:pic>
+      <p:sp>
+        <p:nvSpPr>
+          <p:cNvPr id="8" name=""/>
+          <p:cNvSpPr/>
+          <p:nvPr/>
+        </p:nvSpPr>
+        <p:spPr>
+          <a:xfrm>
+            <a:off x="379175" y="1060922"/>
+            <a:ext cx="648510" cy="192526"/>
+          </a:xfrm>
+          <a:prstGeom prst="rect">
+            <a:avLst/>
+          </a:prstGeom>
+          <a:noFill/>
+          <a:ln w="76200">
+            <a:solidFill>
+              <a:srgbClr val="ff0000"/>
+            </a:solidFill>
+          </a:ln>
+        </p:spPr>
+        <p:style>
+          <a:lnRef idx="2">
+            <a:schemeClr val="accent1">
+              <a:shade val="20000"/>
+            </a:schemeClr>
+          </a:lnRef>
+          <a:fillRef idx="1">
+            <a:schemeClr val="accent1"/>
+          </a:fillRef>
+          <a:effectRef idx="0">
+            <a:schemeClr val="accent1"/>
+          </a:effectRef>
+          <a:fontRef idx="minor">
+            <a:schemeClr val="lt1"/>
+          </a:fontRef>
+        </p:style>
+        <p:txBody>
+          <a:bodyPr anchor="ctr"/>
+          <a:p>
+            <a:pPr algn="ctr">
+              <a:defRPr/>
+            </a:pPr>
+            <a:endParaRPr lang="ko-KR" altLang="en-US"/>
+          </a:p>
+        </p:txBody>
+      </p:sp>
+      <p:sp>
+        <p:nvSpPr>
+          <p:cNvPr id="10" name=""/>
+          <p:cNvSpPr txBox="1"/>
+          <p:nvPr/>
+        </p:nvSpPr>
+        <p:spPr>
+          <a:xfrm>
+            <a:off x="257670" y="1382137"/>
+            <a:ext cx="2458889" cy="1178183"/>
+          </a:xfrm>
+          <a:prstGeom prst="rect">
+            <a:avLst/>
+          </a:prstGeom>
+        </p:spPr>
+        <p:txBody>
+          <a:bodyPr wrap="square">
+            <a:spAutoFit/>
+          </a:bodyPr>
+          <a:p>
+            <a:pPr marL="0" indent="0" algn="l" defTabSz="914400" rtl="0" eaLnBrk="1" latinLnBrk="1" hangingPunct="1">
+              <a:lnSpc>
+                <a:spcPct val="100000"/>
+              </a:lnSpc>
+              <a:spcBef>
+                <a:spcPct val="0"/>
+              </a:spcBef>
+              <a:spcAft>
+                <a:spcPts val="0"/>
+              </a:spcAft>
+              <a:buNone/>
+              <a:defRPr/>
+            </a:pPr>
+            <a:r>
+              <a:rPr xmlns:mc="http://schemas.openxmlformats.org/markup-compatibility/2006" xmlns:hp="http://schemas.haansoft.com/office/presentation/8.0" kumimoji="0" lang="ko-KR" altLang="en-US" sz="1800" b="0" i="0" u="none" strike="noStrike" kern="1200" cap="none" spc="0" normalizeH="0" baseline="0" mc:Ignorable="hp" hp:hslEmbossed="0">
+                <a:solidFill>
+                  <a:srgbClr val="ffffff"/>
+                </a:solidFill>
+                <a:latin typeface="맑은 고딕"/>
+              </a:rPr>
+              <a:t>우클릭</a:t>
+            </a:r>
+            <a:endParaRPr xmlns:mc="http://schemas.openxmlformats.org/markup-compatibility/2006" xmlns:hp="http://schemas.haansoft.com/office/presentation/8.0" kumimoji="0" lang="ko-KR" altLang="en-US" sz="1800" b="0" i="0" u="none" strike="noStrike" kern="1200" cap="none" spc="0" normalizeH="0" baseline="0" mc:Ignorable="hp" hp:hslEmbossed="0">
+              <a:solidFill>
+                <a:srgbClr val="ffffff"/>
+              </a:solidFill>
+              <a:latin typeface="맑은 고딕"/>
+            </a:endParaRPr>
+          </a:p>
+          <a:p>
+            <a:pPr marL="0" indent="0" algn="l" defTabSz="914400" rtl="0" eaLnBrk="1" latinLnBrk="1" hangingPunct="1">
+              <a:lnSpc>
+                <a:spcPct val="100000"/>
+              </a:lnSpc>
+              <a:spcBef>
+                <a:spcPct val="0"/>
+              </a:spcBef>
+              <a:spcAft>
+                <a:spcPts val="0"/>
+              </a:spcAft>
+              <a:buNone/>
+              <a:defRPr/>
+            </a:pPr>
+            <a:r>
+              <a:rPr xmlns:mc="http://schemas.openxmlformats.org/markup-compatibility/2006" xmlns:hp="http://schemas.haansoft.com/office/presentation/8.0" kumimoji="0" lang="en-US" altLang="ko-KR" sz="1800" b="0" i="0" u="none" strike="noStrike" kern="1200" cap="none" spc="0" normalizeH="0" baseline="0" mc:Ignorable="hp" hp:hslEmbossed="0">
+                <a:solidFill>
+                  <a:srgbClr val="ffffff"/>
+                </a:solidFill>
+                <a:latin typeface="맑은 고딕"/>
+              </a:rPr>
+              <a:t>-&gt;</a:t>
+            </a:r>
+            <a:r>
+              <a:rPr xmlns:mc="http://schemas.openxmlformats.org/markup-compatibility/2006" xmlns:hp="http://schemas.haansoft.com/office/presentation/8.0" kumimoji="0" lang="ko-KR" altLang="en-US" sz="1800" b="0" i="0" u="none" strike="noStrike" kern="1200" cap="none" spc="0" normalizeH="0" baseline="0" mc:Ignorable="hp" hp:hslEmbossed="0">
+                <a:solidFill>
+                  <a:srgbClr val="ffffff"/>
+                </a:solidFill>
+                <a:latin typeface="맑은 고딕"/>
+              </a:rPr>
+              <a:t> </a:t>
+            </a:r>
+            <a:r>
+              <a:rPr xmlns:mc="http://schemas.openxmlformats.org/markup-compatibility/2006" xmlns:hp="http://schemas.haansoft.com/office/presentation/8.0" kumimoji="0" lang="en-US" altLang="ko-KR" sz="1800" b="0" i="0" u="none" strike="noStrike" kern="1200" cap="none" spc="0" normalizeH="0" baseline="0" mc:Ignorable="hp" hp:hslEmbossed="0">
+                <a:solidFill>
+                  <a:srgbClr val="ffffff"/>
+                </a:solidFill>
+                <a:latin typeface="맑은 고딕"/>
+              </a:rPr>
+              <a:t>Create Empty</a:t>
+            </a:r>
+            <a:endParaRPr xmlns:mc="http://schemas.openxmlformats.org/markup-compatibility/2006" xmlns:hp="http://schemas.haansoft.com/office/presentation/8.0" kumimoji="0" lang="en-US" altLang="ko-KR" sz="1800" b="0" i="0" u="none" strike="noStrike" kern="1200" cap="none" spc="0" normalizeH="0" baseline="0" mc:Ignorable="hp" hp:hslEmbossed="0">
+              <a:solidFill>
+                <a:srgbClr val="ffffff"/>
+              </a:solidFill>
+              <a:latin typeface="맑은 고딕"/>
+            </a:endParaRPr>
+          </a:p>
+          <a:p>
+            <a:pPr marL="0" indent="0" algn="l" defTabSz="914400" rtl="0" eaLnBrk="1" latinLnBrk="1" hangingPunct="1">
+              <a:lnSpc>
+                <a:spcPct val="100000"/>
+              </a:lnSpc>
+              <a:spcBef>
+                <a:spcPct val="0"/>
+              </a:spcBef>
+              <a:spcAft>
+                <a:spcPts val="0"/>
+              </a:spcAft>
+              <a:buNone/>
+              <a:defRPr/>
+            </a:pPr>
+            <a:endParaRPr xmlns:mc="http://schemas.openxmlformats.org/markup-compatibility/2006" xmlns:hp="http://schemas.haansoft.com/office/presentation/8.0" kumimoji="0" lang="en-US" altLang="ko-KR" sz="1800" b="0" i="0" u="none" strike="noStrike" kern="1200" cap="none" spc="0" normalizeH="0" baseline="0" mc:Ignorable="hp" hp:hslEmbossed="0">
+              <a:solidFill>
+                <a:srgbClr val="ffffff"/>
+              </a:solidFill>
+              <a:latin typeface="맑은 고딕"/>
+            </a:endParaRPr>
+          </a:p>
+          <a:p>
+            <a:pPr marL="0" indent="0" algn="l" defTabSz="914400" rtl="0" eaLnBrk="1" latinLnBrk="1" hangingPunct="1">
+              <a:lnSpc>
+                <a:spcPct val="100000"/>
+              </a:lnSpc>
+              <a:spcBef>
+                <a:spcPct val="0"/>
+              </a:spcBef>
+              <a:spcAft>
+                <a:spcPts val="0"/>
+              </a:spcAft>
+              <a:buNone/>
+              <a:defRPr/>
+            </a:pPr>
+            <a:r>
+              <a:rPr xmlns:mc="http://schemas.openxmlformats.org/markup-compatibility/2006" xmlns:hp="http://schemas.haansoft.com/office/presentation/8.0" kumimoji="0" lang="ko-KR" altLang="en-US" sz="1800" b="0" i="0" u="none" strike="noStrike" kern="1200" cap="none" spc="0" normalizeH="0" baseline="0" mc:Ignorable="hp" hp:hslEmbossed="0">
+                <a:solidFill>
+                  <a:srgbClr val="ffffff"/>
+                </a:solidFill>
+                <a:latin typeface="맑은 고딕"/>
+              </a:rPr>
+              <a:t>또는 </a:t>
+            </a:r>
+            <a:r>
+              <a:rPr xmlns:mc="http://schemas.openxmlformats.org/markup-compatibility/2006" xmlns:hp="http://schemas.haansoft.com/office/presentation/8.0" kumimoji="0" lang="en-US" altLang="ko-KR" sz="1800" b="0" i="0" u="none" strike="noStrike" kern="1200" cap="none" spc="0" normalizeH="0" baseline="0" mc:Ignorable="hp" hp:hslEmbossed="0">
+                <a:solidFill>
+                  <a:srgbClr val="ffffff"/>
+                </a:solidFill>
+                <a:latin typeface="맑은 고딕"/>
+              </a:rPr>
+              <a:t>Ctrl +</a:t>
+            </a:r>
+            <a:r>
+              <a:rPr xmlns:mc="http://schemas.openxmlformats.org/markup-compatibility/2006" xmlns:hp="http://schemas.haansoft.com/office/presentation/8.0" kumimoji="0" lang="ko-KR" altLang="en-US" sz="1800" b="0" i="0" u="none" strike="noStrike" kern="1200" cap="none" spc="0" normalizeH="0" baseline="0" mc:Ignorable="hp" hp:hslEmbossed="0">
+                <a:solidFill>
+                  <a:srgbClr val="ffffff"/>
+                </a:solidFill>
+                <a:latin typeface="맑은 고딕"/>
+              </a:rPr>
+              <a:t> </a:t>
+            </a:r>
+            <a:r>
+              <a:rPr xmlns:mc="http://schemas.openxmlformats.org/markup-compatibility/2006" xmlns:hp="http://schemas.haansoft.com/office/presentation/8.0" kumimoji="0" lang="en-US" altLang="ko-KR" sz="1800" b="0" i="0" u="none" strike="noStrike" kern="1200" cap="none" spc="0" normalizeH="0" baseline="0" mc:Ignorable="hp" hp:hslEmbossed="0">
+                <a:solidFill>
+                  <a:srgbClr val="ffffff"/>
+                </a:solidFill>
+                <a:latin typeface="맑은 고딕"/>
+              </a:rPr>
+              <a:t>Shift +</a:t>
+            </a:r>
+            <a:r>
+              <a:rPr xmlns:mc="http://schemas.openxmlformats.org/markup-compatibility/2006" xmlns:hp="http://schemas.haansoft.com/office/presentation/8.0" kumimoji="0" lang="ko-KR" altLang="en-US" sz="1800" b="0" i="0" u="none" strike="noStrike" kern="1200" cap="none" spc="0" normalizeH="0" baseline="0" mc:Ignorable="hp" hp:hslEmbossed="0">
+                <a:solidFill>
+                  <a:srgbClr val="ffffff"/>
+                </a:solidFill>
+                <a:latin typeface="맑은 고딕"/>
+              </a:rPr>
+              <a:t> </a:t>
+            </a:r>
+            <a:r>
+              <a:rPr xmlns:mc="http://schemas.openxmlformats.org/markup-compatibility/2006" xmlns:hp="http://schemas.haansoft.com/office/presentation/8.0" kumimoji="0" lang="en-US" altLang="ko-KR" sz="1800" b="0" i="0" u="none" strike="noStrike" kern="1200" cap="none" spc="0" normalizeH="0" baseline="0" mc:Ignorable="hp" hp:hslEmbossed="0">
+                <a:solidFill>
+                  <a:srgbClr val="ffffff"/>
+                </a:solidFill>
+                <a:latin typeface="맑은 고딕"/>
+              </a:rPr>
+              <a:t>N</a:t>
+            </a:r>
+            <a:endParaRPr xmlns:mc="http://schemas.openxmlformats.org/markup-compatibility/2006" xmlns:hp="http://schemas.haansoft.com/office/presentation/8.0" kumimoji="0" lang="en-US" altLang="ko-KR" sz="1800" b="0" i="0" u="none" strike="noStrike" kern="1200" cap="none" spc="0" normalizeH="0" baseline="0" mc:Ignorable="hp" hp:hslEmbossed="0">
+              <a:solidFill>
+                <a:srgbClr val="ffffff"/>
+              </a:solidFill>
+              <a:latin typeface="맑은 고딕"/>
+            </a:endParaRPr>
           </a:p>
         </p:txBody>
       </p:sp>
     </p:spTree>
     <p:extLst>
       <p:ext uri="{BB962C8B-B14F-4D97-AF65-F5344CB8AC3E}">
-        <p14:creationId xmlns:p14="http://schemas.microsoft.com/office/powerpoint/2010/main" val="3942121094"/>
+        <p14:creationId xmlns:p14="http://schemas.microsoft.com/office/powerpoint/2010/main" val="2956622868"/>
       </p:ext>
     </p:extLst>
   </p:cSld>
@@ -5747,6 +5505,146 @@
           <a:chExt cx="0" cy="0"/>
         </a:xfrm>
       </p:grpSpPr>
+      <p:sp>
+        <p:nvSpPr>
+          <p:cNvPr id="7" name=""/>
+          <p:cNvSpPr txBox="1"/>
+          <p:nvPr/>
+        </p:nvSpPr>
+        <p:spPr>
+          <a:xfrm>
+            <a:off x="2443142" y="6137950"/>
+            <a:ext cx="7305716" cy="361464"/>
+          </a:xfrm>
+          <a:prstGeom prst="rect">
+            <a:avLst/>
+          </a:prstGeom>
+        </p:spPr>
+        <p:txBody>
+          <a:bodyPr wrap="none">
+            <a:spAutoFit/>
+          </a:bodyPr>
+          <a:p>
+            <a:pPr>
+              <a:defRPr/>
+            </a:pPr>
+            <a:r>
+              <a:rPr lang="en-US" altLang="ko-KR"/>
+              <a:t>https://learn.microsoft.com/ko-kr/visualstudio/releases/2019/release-notes</a:t>
+            </a:r>
+            <a:endParaRPr lang="en-US" altLang="ko-KR"/>
+          </a:p>
+        </p:txBody>
+      </p:sp>
+      <p:pic>
+        <p:nvPicPr>
+          <p:cNvPr id="8" name=""/>
+          <p:cNvPicPr>
+            <a:picLocks noChangeAspect="1"/>
+          </p:cNvPicPr>
+          <p:nvPr/>
+        </p:nvPicPr>
+        <p:blipFill rotWithShape="1">
+          <a:blip r:embed="rId2"/>
+          <a:stretch>
+            <a:fillRect/>
+          </a:stretch>
+        </p:blipFill>
+        <p:spPr>
+          <a:xfrm>
+            <a:off x="962240" y="571702"/>
+            <a:ext cx="10267519" cy="5394798"/>
+          </a:xfrm>
+          <a:prstGeom prst="rect">
+            <a:avLst/>
+          </a:prstGeom>
+        </p:spPr>
+      </p:pic>
+      <p:sp>
+        <p:nvSpPr>
+          <p:cNvPr id="10" name=""/>
+          <p:cNvSpPr/>
+          <p:nvPr/>
+        </p:nvSpPr>
+        <p:spPr>
+          <a:xfrm>
+            <a:off x="1087878" y="5330959"/>
+            <a:ext cx="2747822" cy="476846"/>
+          </a:xfrm>
+          <a:prstGeom prst="rect">
+            <a:avLst/>
+          </a:prstGeom>
+          <a:noFill/>
+          <a:ln w="76200">
+            <a:solidFill>
+              <a:srgbClr val="ff0000"/>
+            </a:solidFill>
+          </a:ln>
+        </p:spPr>
+        <p:style>
+          <a:lnRef idx="2">
+            <a:schemeClr val="accent1">
+              <a:shade val="20000"/>
+            </a:schemeClr>
+          </a:lnRef>
+          <a:fillRef idx="1">
+            <a:schemeClr val="accent1"/>
+          </a:fillRef>
+          <a:effectRef idx="0">
+            <a:schemeClr val="accent1"/>
+          </a:effectRef>
+          <a:fontRef idx="minor">
+            <a:schemeClr val="lt1"/>
+          </a:fontRef>
+        </p:style>
+        <p:txBody>
+          <a:bodyPr anchor="ctr"/>
+          <a:p>
+            <a:pPr algn="ctr">
+              <a:defRPr/>
+            </a:pPr>
+            <a:endParaRPr lang="ko-KR" altLang="en-US"/>
+          </a:p>
+        </p:txBody>
+      </p:sp>
+    </p:spTree>
+    <p:extLst>
+      <p:ext uri="{BB962C8B-B14F-4D97-AF65-F5344CB8AC3E}">
+        <p14:creationId xmlns:p14="http://schemas.microsoft.com/office/powerpoint/2010/main" val="1271241018"/>
+      </p:ext>
+    </p:extLst>
+  </p:cSld>
+  <p:clrMapOvr>
+    <a:masterClrMapping/>
+  </p:clrMapOvr>
+  <mc:AlternateContent xmlns:mc="http://schemas.openxmlformats.org/markup-compatibility/2006">
+    <mc:Choice xmlns:p14="http://schemas.microsoft.com/office/powerpoint/2010/main" Requires="p14">
+      <p:transition xmlns:mc="http://schemas.openxmlformats.org/markup-compatibility/2006" xmlns:p14="http://schemas.microsoft.com/office/powerpoint/2010/main" mc:Ignorable="p14" p14:dur="500"/>
+    </mc:Choice>
+    <mc:Fallback>
+      <p:transition/>
+    </mc:Fallback>
+  </mc:AlternateContent>
+</p:sld>
+</file>
+
+<file path=ppt/slides/slide20.xml><?xml version="1.0" encoding="utf-8"?>
+<p:sld xmlns:r="http://schemas.openxmlformats.org/officeDocument/2006/relationships" xmlns:c="http://schemas.openxmlformats.org/drawingml/2006/chart" xmlns:a="http://schemas.openxmlformats.org/drawingml/2006/main" xmlns:dgm="http://schemas.openxmlformats.org/drawingml/2006/diagram" xmlns:dsp="http://schemas.microsoft.com/office/drawing/2008/diagram" xmlns:p="http://schemas.openxmlformats.org/presentationml/2006/main">
+  <p:cSld>
+    <p:spTree>
+      <p:nvGrpSpPr>
+        <p:cNvPr id="1" name=""/>
+        <p:cNvGrpSpPr/>
+        <p:nvPr/>
+      </p:nvGrpSpPr>
+      <p:grpSpPr>
+        <a:xfrm>
+          <a:off x="0" y="0"/>
+          <a:ext cx="0" cy="0"/>
+          <a:chOff x="0" y="0"/>
+          <a:chExt cx="0" cy="0"/>
+        </a:xfrm>
+      </p:grpSpPr>
       <p:pic>
         <p:nvPicPr>
           <p:cNvPr id="4" name=""/>
@@ -5763,14 +5661,1676 @@
         </p:blipFill>
         <p:spPr>
           <a:xfrm>
-            <a:off x="264368" y="2657474"/>
-            <a:ext cx="2219325" cy="1543050"/>
+            <a:off x="0" y="322881"/>
+            <a:ext cx="12192000" cy="6212237"/>
           </a:xfrm>
           <a:prstGeom prst="rect">
             <a:avLst/>
           </a:prstGeom>
         </p:spPr>
       </p:pic>
+      <p:sp>
+        <p:nvSpPr>
+          <p:cNvPr id="5" name=""/>
+          <p:cNvSpPr/>
+          <p:nvPr/>
+        </p:nvSpPr>
+        <p:spPr>
+          <a:xfrm>
+            <a:off x="318377" y="1028700"/>
+            <a:ext cx="648510" cy="192526"/>
+          </a:xfrm>
+          <a:prstGeom prst="rect">
+            <a:avLst/>
+          </a:prstGeom>
+          <a:noFill/>
+          <a:ln w="76200" cap="flat" cmpd="sng" algn="ctr">
+            <a:solidFill>
+              <a:srgbClr val="ff0000">
+                <a:alpha val="100000"/>
+              </a:srgbClr>
+            </a:solidFill>
+            <a:prstDash val="solid"/>
+          </a:ln>
+        </p:spPr>
+        <p:txBody>
+          <a:bodyPr anchor="ctr"/>
+          <a:p>
+            <a:pPr marL="0" indent="0" algn="ctr" defTabSz="914400" rtl="0" eaLnBrk="1" latinLnBrk="1" hangingPunct="1">
+              <a:lnSpc>
+                <a:spcPct val="100000"/>
+              </a:lnSpc>
+              <a:spcBef>
+                <a:spcPct val="0"/>
+              </a:spcBef>
+              <a:spcAft>
+                <a:spcPts val="0"/>
+              </a:spcAft>
+              <a:buNone/>
+              <a:defRPr/>
+            </a:pPr>
+            <a:endParaRPr xmlns:mc="http://schemas.openxmlformats.org/markup-compatibility/2006" xmlns:hp="http://schemas.haansoft.com/office/presentation/8.0" kumimoji="0" lang="ko-KR" altLang="en-US" sz="1800" b="0" i="0" u="none" strike="noStrike" kern="1200" cap="none" spc="0" normalizeH="0" baseline="0" mc:Ignorable="hp" hp:hslEmbossed="0">
+              <a:solidFill>
+                <a:srgbClr val="ffffff"/>
+              </a:solidFill>
+              <a:latin typeface="Calibri"/>
+              <a:ea typeface="맑은 고딕"/>
+              <a:cs typeface="맑은 고딕"/>
+            </a:endParaRPr>
+          </a:p>
+        </p:txBody>
+      </p:sp>
+      <p:sp>
+        <p:nvSpPr>
+          <p:cNvPr id="6" name=""/>
+          <p:cNvSpPr txBox="1"/>
+          <p:nvPr/>
+        </p:nvSpPr>
+        <p:spPr>
+          <a:xfrm>
+            <a:off x="186740" y="1382137"/>
+            <a:ext cx="2458888" cy="367139"/>
+          </a:xfrm>
+          <a:prstGeom prst="rect">
+            <a:avLst/>
+          </a:prstGeom>
+        </p:spPr>
+        <p:txBody>
+          <a:bodyPr wrap="square">
+            <a:spAutoFit/>
+          </a:bodyPr>
+          <a:p>
+            <a:pPr marL="0" indent="0" algn="l" defTabSz="914400" rtl="0" eaLnBrk="1" latinLnBrk="1" hangingPunct="1">
+              <a:lnSpc>
+                <a:spcPct val="100000"/>
+              </a:lnSpc>
+              <a:spcBef>
+                <a:spcPct val="0"/>
+              </a:spcBef>
+              <a:spcAft>
+                <a:spcPts val="0"/>
+              </a:spcAft>
+              <a:buNone/>
+              <a:defRPr/>
+            </a:pPr>
+            <a:r>
+              <a:rPr xmlns:mc="http://schemas.openxmlformats.org/markup-compatibility/2006" xmlns:hp="http://schemas.haansoft.com/office/presentation/8.0" kumimoji="0" lang="en-US" altLang="ko-KR" sz="1800" b="0" i="0" u="none" strike="noStrike" kern="1200" cap="none" spc="0" normalizeH="0" baseline="0" mc:Ignorable="hp" hp:hslEmbossed="0">
+                <a:solidFill>
+                  <a:srgbClr val="ffffff"/>
+                </a:solidFill>
+                <a:latin typeface="맑은 고딕"/>
+              </a:rPr>
+              <a:t>1.</a:t>
+            </a:r>
+            <a:r>
+              <a:rPr xmlns:mc="http://schemas.openxmlformats.org/markup-compatibility/2006" xmlns:hp="http://schemas.haansoft.com/office/presentation/8.0" kumimoji="0" lang="ko-KR" altLang="en-US" sz="1800" b="0" i="0" u="none" strike="noStrike" kern="1200" cap="none" spc="0" normalizeH="0" baseline="0" mc:Ignorable="hp" hp:hslEmbossed="0">
+                <a:solidFill>
+                  <a:srgbClr val="ffffff"/>
+                </a:solidFill>
+                <a:latin typeface="맑은 고딕"/>
+              </a:rPr>
+              <a:t> 클릭</a:t>
+            </a:r>
+            <a:endParaRPr xmlns:mc="http://schemas.openxmlformats.org/markup-compatibility/2006" xmlns:hp="http://schemas.haansoft.com/office/presentation/8.0" kumimoji="0" lang="ko-KR" altLang="en-US" sz="1800" b="0" i="0" u="none" strike="noStrike" kern="1200" cap="none" spc="0" normalizeH="0" baseline="0" mc:Ignorable="hp" hp:hslEmbossed="0">
+              <a:solidFill>
+                <a:srgbClr val="ffffff"/>
+              </a:solidFill>
+              <a:latin typeface="맑은 고딕"/>
+            </a:endParaRPr>
+          </a:p>
+        </p:txBody>
+      </p:sp>
+      <p:sp>
+        <p:nvSpPr>
+          <p:cNvPr id="7" name=""/>
+          <p:cNvSpPr/>
+          <p:nvPr/>
+        </p:nvSpPr>
+        <p:spPr>
+          <a:xfrm>
+            <a:off x="1870344" y="4494584"/>
+            <a:ext cx="466116" cy="597845"/>
+          </a:xfrm>
+          <a:prstGeom prst="rect">
+            <a:avLst/>
+          </a:prstGeom>
+          <a:noFill/>
+          <a:ln w="76200" cap="flat" cmpd="sng" algn="ctr">
+            <a:solidFill>
+              <a:srgbClr val="ff0000">
+                <a:alpha val="100000"/>
+              </a:srgbClr>
+            </a:solidFill>
+            <a:prstDash val="solid"/>
+          </a:ln>
+        </p:spPr>
+        <p:txBody>
+          <a:bodyPr anchor="ctr"/>
+          <a:p>
+            <a:pPr marL="0" indent="0" algn="ctr" defTabSz="914400" rtl="0" eaLnBrk="1" latinLnBrk="1" hangingPunct="1">
+              <a:lnSpc>
+                <a:spcPct val="100000"/>
+              </a:lnSpc>
+              <a:spcBef>
+                <a:spcPct val="0"/>
+              </a:spcBef>
+              <a:spcAft>
+                <a:spcPts val="0"/>
+              </a:spcAft>
+              <a:buNone/>
+              <a:defRPr/>
+            </a:pPr>
+            <a:endParaRPr xmlns:mc="http://schemas.openxmlformats.org/markup-compatibility/2006" xmlns:hp="http://schemas.haansoft.com/office/presentation/8.0" kumimoji="0" lang="ko-KR" altLang="en-US" sz="1800" b="0" i="0" u="none" strike="noStrike" kern="1200" cap="none" spc="0" normalizeH="0" baseline="0" mc:Ignorable="hp" hp:hslEmbossed="0">
+              <a:solidFill>
+                <a:srgbClr val="ffffff"/>
+              </a:solidFill>
+              <a:latin typeface="Calibri"/>
+              <a:ea typeface="맑은 고딕"/>
+              <a:cs typeface="맑은 고딕"/>
+            </a:endParaRPr>
+          </a:p>
+        </p:txBody>
+      </p:sp>
+      <p:sp>
+        <p:nvSpPr>
+          <p:cNvPr id="8" name=""/>
+          <p:cNvSpPr txBox="1"/>
+          <p:nvPr/>
+        </p:nvSpPr>
+        <p:spPr>
+          <a:xfrm>
+            <a:off x="2645628" y="4725290"/>
+            <a:ext cx="2458888" cy="367139"/>
+          </a:xfrm>
+          <a:prstGeom prst="rect">
+            <a:avLst/>
+          </a:prstGeom>
+        </p:spPr>
+        <p:txBody>
+          <a:bodyPr wrap="square">
+            <a:spAutoFit/>
+          </a:bodyPr>
+          <a:p>
+            <a:pPr marL="0" indent="0" algn="l" defTabSz="914400" rtl="0" eaLnBrk="1" latinLnBrk="1" hangingPunct="1">
+              <a:lnSpc>
+                <a:spcPct val="100000"/>
+              </a:lnSpc>
+              <a:spcBef>
+                <a:spcPct val="0"/>
+              </a:spcBef>
+              <a:spcAft>
+                <a:spcPts val="0"/>
+              </a:spcAft>
+              <a:buNone/>
+              <a:defRPr/>
+            </a:pPr>
+            <a:r>
+              <a:rPr xmlns:mc="http://schemas.openxmlformats.org/markup-compatibility/2006" xmlns:hp="http://schemas.haansoft.com/office/presentation/8.0" kumimoji="0" lang="en-US" altLang="ko-KR" sz="1800" b="0" i="0" u="none" strike="noStrike" kern="1200" cap="none" spc="0" normalizeH="0" baseline="0" mc:Ignorable="hp" hp:hslEmbossed="0">
+                <a:solidFill>
+                  <a:srgbClr val="ffffff"/>
+                </a:solidFill>
+                <a:latin typeface="맑은 고딕"/>
+              </a:rPr>
+              <a:t>2.</a:t>
+            </a:r>
+            <a:r>
+              <a:rPr xmlns:mc="http://schemas.openxmlformats.org/markup-compatibility/2006" xmlns:hp="http://schemas.haansoft.com/office/presentation/8.0" kumimoji="0" lang="ko-KR" altLang="en-US" sz="1800" b="0" i="0" u="none" strike="noStrike" kern="1200" cap="none" spc="0" normalizeH="0" baseline="0" mc:Ignorable="hp" hp:hslEmbossed="0">
+                <a:solidFill>
+                  <a:srgbClr val="ffffff"/>
+                </a:solidFill>
+                <a:latin typeface="맑은 고딕"/>
+              </a:rPr>
+              <a:t> 드래그 앤 드롭</a:t>
+            </a:r>
+            <a:endParaRPr xmlns:mc="http://schemas.openxmlformats.org/markup-compatibility/2006" xmlns:hp="http://schemas.haansoft.com/office/presentation/8.0" kumimoji="0" lang="ko-KR" altLang="en-US" sz="1800" b="0" i="0" u="none" strike="noStrike" kern="1200" cap="none" spc="0" normalizeH="0" baseline="0" mc:Ignorable="hp" hp:hslEmbossed="0">
+              <a:solidFill>
+                <a:srgbClr val="ffffff"/>
+              </a:solidFill>
+              <a:latin typeface="맑은 고딕"/>
+            </a:endParaRPr>
+          </a:p>
+        </p:txBody>
+      </p:sp>
+      <p:cxnSp>
+        <p:nvCxnSpPr>
+          <p:cNvPr id="9" name=""/>
+          <p:cNvCxnSpPr>
+            <a:stCxn id="8" idx="3"/>
+          </p:cNvCxnSpPr>
+          <p:nvPr/>
+        </p:nvCxnSpPr>
+        <p:spPr>
+          <a:xfrm flipV="1">
+            <a:off x="5104517" y="2131978"/>
+            <a:ext cx="5267600" cy="2776881"/>
+          </a:xfrm>
+          <a:prstGeom prst="straightConnector1">
+            <a:avLst/>
+          </a:prstGeom>
+          <a:ln>
+            <a:solidFill>
+              <a:srgbClr val="ff0000"/>
+            </a:solidFill>
+            <a:tailEnd type="arrow"/>
+          </a:ln>
+        </p:spPr>
+        <p:style>
+          <a:lnRef idx="1">
+            <a:schemeClr val="accent1"/>
+          </a:lnRef>
+          <a:fillRef idx="0">
+            <a:schemeClr val="accent1"/>
+          </a:fillRef>
+          <a:effectRef idx="0">
+            <a:schemeClr val="accent1"/>
+          </a:effectRef>
+          <a:fontRef idx="minor">
+            <a:schemeClr val="tx1"/>
+          </a:fontRef>
+        </p:style>
+      </p:cxnSp>
+      <p:sp>
+        <p:nvSpPr>
+          <p:cNvPr id="10" name=""/>
+          <p:cNvSpPr/>
+          <p:nvPr/>
+        </p:nvSpPr>
+        <p:spPr>
+          <a:xfrm>
+            <a:off x="5786741" y="332406"/>
+            <a:ext cx="233058" cy="149461"/>
+          </a:xfrm>
+          <a:prstGeom prst="rect">
+            <a:avLst/>
+          </a:prstGeom>
+          <a:noFill/>
+          <a:ln w="76200" cap="flat" cmpd="sng" algn="ctr">
+            <a:solidFill>
+              <a:srgbClr val="ff0000">
+                <a:alpha val="100000"/>
+              </a:srgbClr>
+            </a:solidFill>
+            <a:prstDash val="solid"/>
+          </a:ln>
+        </p:spPr>
+        <p:txBody>
+          <a:bodyPr anchor="ctr"/>
+          <a:p>
+            <a:pPr marL="0" indent="0" algn="ctr" defTabSz="914400" rtl="0" eaLnBrk="1" latinLnBrk="1" hangingPunct="1">
+              <a:lnSpc>
+                <a:spcPct val="100000"/>
+              </a:lnSpc>
+              <a:spcBef>
+                <a:spcPct val="0"/>
+              </a:spcBef>
+              <a:spcAft>
+                <a:spcPts val="0"/>
+              </a:spcAft>
+              <a:buNone/>
+              <a:defRPr/>
+            </a:pPr>
+            <a:endParaRPr xmlns:mc="http://schemas.openxmlformats.org/markup-compatibility/2006" xmlns:hp="http://schemas.haansoft.com/office/presentation/8.0" kumimoji="0" lang="ko-KR" altLang="en-US" sz="1800" b="0" i="0" u="none" strike="noStrike" kern="1200" cap="none" spc="0" normalizeH="0" baseline="0" mc:Ignorable="hp" hp:hslEmbossed="0">
+              <a:solidFill>
+                <a:srgbClr val="ffffff"/>
+              </a:solidFill>
+              <a:latin typeface="Calibri"/>
+              <a:ea typeface="맑은 고딕"/>
+              <a:cs typeface="맑은 고딕"/>
+            </a:endParaRPr>
+          </a:p>
+        </p:txBody>
+      </p:sp>
+      <p:sp>
+        <p:nvSpPr>
+          <p:cNvPr id="11" name=""/>
+          <p:cNvSpPr txBox="1"/>
+          <p:nvPr/>
+        </p:nvSpPr>
+        <p:spPr>
+          <a:xfrm>
+            <a:off x="5289562" y="740678"/>
+            <a:ext cx="3735642" cy="641459"/>
+          </a:xfrm>
+          <a:prstGeom prst="rect">
+            <a:avLst/>
+          </a:prstGeom>
+        </p:spPr>
+        <p:txBody>
+          <a:bodyPr wrap="square">
+            <a:spAutoFit/>
+          </a:bodyPr>
+          <a:p>
+            <a:pPr marL="0" indent="0" algn="l" defTabSz="914400" rtl="0" eaLnBrk="1" latinLnBrk="1" hangingPunct="1">
+              <a:lnSpc>
+                <a:spcPct val="100000"/>
+              </a:lnSpc>
+              <a:spcBef>
+                <a:spcPct val="0"/>
+              </a:spcBef>
+              <a:spcAft>
+                <a:spcPts val="0"/>
+              </a:spcAft>
+              <a:buNone/>
+              <a:defRPr/>
+            </a:pPr>
+            <a:r>
+              <a:rPr xmlns:mc="http://schemas.openxmlformats.org/markup-compatibility/2006" xmlns:hp="http://schemas.haansoft.com/office/presentation/8.0" kumimoji="0" lang="en-US" altLang="ko-KR" sz="1800" b="0" i="0" u="none" strike="noStrike" kern="1200" cap="none" spc="0" normalizeH="0" baseline="0" mc:Ignorable="hp" hp:hslEmbossed="0">
+                <a:solidFill>
+                  <a:srgbClr val="ff0000"/>
+                </a:solidFill>
+                <a:latin typeface="맑은 고딕"/>
+              </a:rPr>
+              <a:t>3.</a:t>
+            </a:r>
+            <a:r>
+              <a:rPr xmlns:mc="http://schemas.openxmlformats.org/markup-compatibility/2006" xmlns:hp="http://schemas.haansoft.com/office/presentation/8.0" kumimoji="0" lang="ko-KR" altLang="en-US" sz="1800" b="0" i="0" u="none" strike="noStrike" kern="1200" cap="none" spc="0" normalizeH="0" baseline="0" mc:Ignorable="hp" hp:hslEmbossed="0">
+                <a:solidFill>
+                  <a:srgbClr val="ff0000"/>
+                </a:solidFill>
+                <a:latin typeface="맑은 고딕"/>
+              </a:rPr>
+              <a:t> </a:t>
+            </a:r>
+            <a:r>
+              <a:rPr xmlns:mc="http://schemas.openxmlformats.org/markup-compatibility/2006" xmlns:hp="http://schemas.haansoft.com/office/presentation/8.0" kumimoji="0" lang="en-US" altLang="ko-KR" sz="1800" b="0" i="0" u="none" strike="noStrike" kern="1200" cap="none" spc="0" normalizeH="0" baseline="0" mc:Ignorable="hp" hp:hslEmbossed="0">
+                <a:solidFill>
+                  <a:srgbClr val="ff0000"/>
+                </a:solidFill>
+                <a:latin typeface="맑은 고딕"/>
+              </a:rPr>
+              <a:t>Play</a:t>
+            </a:r>
+            <a:r>
+              <a:rPr xmlns:mc="http://schemas.openxmlformats.org/markup-compatibility/2006" xmlns:hp="http://schemas.haansoft.com/office/presentation/8.0" kumimoji="0" lang="ko-KR" altLang="en-US" sz="1800" b="0" i="0" u="none" strike="noStrike" kern="1200" cap="none" spc="0" normalizeH="0" baseline="0" mc:Ignorable="hp" hp:hslEmbossed="0">
+                <a:solidFill>
+                  <a:srgbClr val="ff0000"/>
+                </a:solidFill>
+                <a:latin typeface="맑은 고딕"/>
+              </a:rPr>
+              <a:t>버튼 클릭 후</a:t>
+            </a:r>
+            <a:endParaRPr xmlns:mc="http://schemas.openxmlformats.org/markup-compatibility/2006" xmlns:hp="http://schemas.haansoft.com/office/presentation/8.0" kumimoji="0" lang="ko-KR" altLang="en-US" sz="1800" b="0" i="0" u="none" strike="noStrike" kern="1200" cap="none" spc="0" normalizeH="0" baseline="0" mc:Ignorable="hp" hp:hslEmbossed="0">
+              <a:solidFill>
+                <a:srgbClr val="ff0000"/>
+              </a:solidFill>
+              <a:latin typeface="맑은 고딕"/>
+            </a:endParaRPr>
+          </a:p>
+          <a:p>
+            <a:pPr marL="0" indent="0" algn="l" defTabSz="914400" rtl="0" eaLnBrk="1" latinLnBrk="1" hangingPunct="1">
+              <a:lnSpc>
+                <a:spcPct val="100000"/>
+              </a:lnSpc>
+              <a:spcBef>
+                <a:spcPct val="0"/>
+              </a:spcBef>
+              <a:spcAft>
+                <a:spcPts val="0"/>
+              </a:spcAft>
+              <a:buNone/>
+              <a:defRPr/>
+            </a:pPr>
+            <a:r>
+              <a:rPr xmlns:mc="http://schemas.openxmlformats.org/markup-compatibility/2006" xmlns:hp="http://schemas.haansoft.com/office/presentation/8.0" kumimoji="0" lang="ko-KR" altLang="en-US" sz="1800" b="0" i="0" u="none" strike="noStrike" kern="1200" cap="none" spc="0" normalizeH="0" baseline="0" mc:Ignorable="hp" hp:hslEmbossed="0">
+                <a:solidFill>
+                  <a:srgbClr val="ff0000"/>
+                </a:solidFill>
+                <a:latin typeface="맑은 고딕"/>
+              </a:rPr>
+              <a:t>   </a:t>
+            </a:r>
+            <a:r>
+              <a:rPr xmlns:mc="http://schemas.openxmlformats.org/markup-compatibility/2006" xmlns:hp="http://schemas.haansoft.com/office/presentation/8.0" kumimoji="0" lang="en-US" altLang="ko-KR" sz="1800" b="0" i="0" u="none" strike="noStrike" kern="1200" cap="none" spc="0" normalizeH="0" baseline="0" mc:Ignorable="hp" hp:hslEmbossed="0">
+                <a:solidFill>
+                  <a:srgbClr val="ff0000"/>
+                </a:solidFill>
+                <a:latin typeface="맑은 고딕"/>
+              </a:rPr>
+              <a:t>Ctrl + Shift + C</a:t>
+            </a:r>
+            <a:r>
+              <a:rPr xmlns:mc="http://schemas.openxmlformats.org/markup-compatibility/2006" xmlns:hp="http://schemas.haansoft.com/office/presentation/8.0" kumimoji="0" lang="ko-KR" altLang="en-US" sz="1800" b="0" i="0" u="none" strike="noStrike" kern="1200" cap="none" spc="0" normalizeH="0" baseline="0" mc:Ignorable="hp" hp:hslEmbossed="0">
+                <a:solidFill>
+                  <a:srgbClr val="ff0000"/>
+                </a:solidFill>
+                <a:latin typeface="맑은 고딕"/>
+              </a:rPr>
+              <a:t>로 콘솔창 열기</a:t>
+            </a:r>
+            <a:endParaRPr xmlns:mc="http://schemas.openxmlformats.org/markup-compatibility/2006" xmlns:hp="http://schemas.haansoft.com/office/presentation/8.0" kumimoji="0" lang="ko-KR" altLang="en-US" sz="1800" b="0" i="0" u="none" strike="noStrike" kern="1200" cap="none" spc="0" normalizeH="0" baseline="0" mc:Ignorable="hp" hp:hslEmbossed="0">
+              <a:solidFill>
+                <a:srgbClr val="ff0000"/>
+              </a:solidFill>
+              <a:latin typeface="맑은 고딕"/>
+            </a:endParaRPr>
+          </a:p>
+        </p:txBody>
+      </p:sp>
+    </p:spTree>
+    <p:extLst>
+      <p:ext uri="{BB962C8B-B14F-4D97-AF65-F5344CB8AC3E}">
+        <p14:creationId xmlns:p14="http://schemas.microsoft.com/office/powerpoint/2010/main" val="2612457048"/>
+      </p:ext>
+    </p:extLst>
+  </p:cSld>
+  <p:clrMapOvr>
+    <a:masterClrMapping/>
+  </p:clrMapOvr>
+  <mc:AlternateContent xmlns:mc="http://schemas.openxmlformats.org/markup-compatibility/2006">
+    <mc:Choice xmlns:p14="http://schemas.microsoft.com/office/powerpoint/2010/main" Requires="p14">
+      <p:transition xmlns:mc="http://schemas.openxmlformats.org/markup-compatibility/2006" xmlns:p14="http://schemas.microsoft.com/office/powerpoint/2010/main" mc:Ignorable="p14" p14:dur="500"/>
+    </mc:Choice>
+    <mc:Fallback>
+      <p:transition/>
+    </mc:Fallback>
+  </mc:AlternateContent>
+</p:sld>
+</file>
+
+<file path=ppt/slides/slide21.xml><?xml version="1.0" encoding="utf-8"?>
+<p:sld xmlns:r="http://schemas.openxmlformats.org/officeDocument/2006/relationships" xmlns:c="http://schemas.openxmlformats.org/drawingml/2006/chart" xmlns:a="http://schemas.openxmlformats.org/drawingml/2006/main" xmlns:dgm="http://schemas.openxmlformats.org/drawingml/2006/diagram" xmlns:dsp="http://schemas.microsoft.com/office/drawing/2008/diagram" xmlns:p="http://schemas.openxmlformats.org/presentationml/2006/main">
+  <p:cSld>
+    <p:spTree>
+      <p:nvGrpSpPr>
+        <p:cNvPr id="1" name=""/>
+        <p:cNvGrpSpPr/>
+        <p:nvPr/>
+      </p:nvGrpSpPr>
+      <p:grpSpPr>
+        <a:xfrm>
+          <a:off x="0" y="0"/>
+          <a:ext cx="0" cy="0"/>
+          <a:chOff x="0" y="0"/>
+          <a:chExt cx="0" cy="0"/>
+        </a:xfrm>
+      </p:grpSpPr>
+      <p:pic>
+        <p:nvPicPr>
+          <p:cNvPr id="4" name=""/>
+          <p:cNvPicPr>
+            <a:picLocks noChangeAspect="1"/>
+          </p:cNvPicPr>
+          <p:nvPr/>
+        </p:nvPicPr>
+        <p:blipFill rotWithShape="1">
+          <a:blip r:embed="rId2"/>
+          <a:stretch>
+            <a:fillRect/>
+          </a:stretch>
+        </p:blipFill>
+        <p:spPr>
+          <a:xfrm>
+            <a:off x="0" y="322881"/>
+            <a:ext cx="12192000" cy="6212237"/>
+          </a:xfrm>
+          <a:prstGeom prst="rect">
+            <a:avLst/>
+          </a:prstGeom>
+        </p:spPr>
+      </p:pic>
+      <p:sp>
+        <p:nvSpPr>
+          <p:cNvPr id="7" name=""/>
+          <p:cNvSpPr/>
+          <p:nvPr/>
+        </p:nvSpPr>
+        <p:spPr>
+          <a:xfrm>
+            <a:off x="1870344" y="4494584"/>
+            <a:ext cx="466116" cy="597845"/>
+          </a:xfrm>
+          <a:prstGeom prst="rect">
+            <a:avLst/>
+          </a:prstGeom>
+          <a:noFill/>
+          <a:ln w="76200" cap="flat" cmpd="sng" algn="ctr">
+            <a:solidFill>
+              <a:srgbClr val="ff0000">
+                <a:alpha val="100000"/>
+              </a:srgbClr>
+            </a:solidFill>
+            <a:prstDash val="solid"/>
+          </a:ln>
+        </p:spPr>
+        <p:txBody>
+          <a:bodyPr anchor="ctr"/>
+          <a:p>
+            <a:pPr marL="0" indent="0" algn="ctr" defTabSz="914400" rtl="0" eaLnBrk="1" latinLnBrk="1" hangingPunct="1">
+              <a:lnSpc>
+                <a:spcPct val="100000"/>
+              </a:lnSpc>
+              <a:spcBef>
+                <a:spcPct val="0"/>
+              </a:spcBef>
+              <a:spcAft>
+                <a:spcPts val="0"/>
+              </a:spcAft>
+              <a:buNone/>
+              <a:defRPr/>
+            </a:pPr>
+            <a:endParaRPr xmlns:mc="http://schemas.openxmlformats.org/markup-compatibility/2006" xmlns:hp="http://schemas.haansoft.com/office/presentation/8.0" kumimoji="0" lang="ko-KR" altLang="en-US" sz="1800" b="0" i="0" u="none" strike="noStrike" kern="1200" cap="none" spc="0" normalizeH="0" baseline="0" mc:Ignorable="hp" hp:hslEmbossed="0">
+              <a:solidFill>
+                <a:srgbClr val="ffffff"/>
+              </a:solidFill>
+              <a:latin typeface="Calibri"/>
+              <a:ea typeface="맑은 고딕"/>
+              <a:cs typeface="맑은 고딕"/>
+            </a:endParaRPr>
+          </a:p>
+        </p:txBody>
+      </p:sp>
+      <p:sp>
+        <p:nvSpPr>
+          <p:cNvPr id="8" name=""/>
+          <p:cNvSpPr txBox="1"/>
+          <p:nvPr/>
+        </p:nvSpPr>
+        <p:spPr>
+          <a:xfrm>
+            <a:off x="2645628" y="4725290"/>
+            <a:ext cx="2458888" cy="367139"/>
+          </a:xfrm>
+          <a:prstGeom prst="rect">
+            <a:avLst/>
+          </a:prstGeom>
+        </p:spPr>
+        <p:txBody>
+          <a:bodyPr wrap="square">
+            <a:spAutoFit/>
+          </a:bodyPr>
+          <a:p>
+            <a:pPr marL="0" indent="0" algn="l" defTabSz="914400" rtl="0" eaLnBrk="1" latinLnBrk="1" hangingPunct="1">
+              <a:lnSpc>
+                <a:spcPct val="100000"/>
+              </a:lnSpc>
+              <a:spcBef>
+                <a:spcPct val="0"/>
+              </a:spcBef>
+              <a:spcAft>
+                <a:spcPts val="0"/>
+              </a:spcAft>
+              <a:buNone/>
+              <a:defRPr/>
+            </a:pPr>
+            <a:r>
+              <a:rPr xmlns:mc="http://schemas.openxmlformats.org/markup-compatibility/2006" xmlns:hp="http://schemas.haansoft.com/office/presentation/8.0" kumimoji="0" lang="en-US" altLang="ko-KR" sz="1800" b="0" i="0" u="none" strike="noStrike" kern="1200" cap="none" spc="0" normalizeH="0" baseline="0" mc:Ignorable="hp" hp:hslEmbossed="0">
+                <a:solidFill>
+                  <a:srgbClr val="ffffff"/>
+                </a:solidFill>
+                <a:latin typeface="맑은 고딕"/>
+              </a:rPr>
+              <a:t>1. </a:t>
+            </a:r>
+            <a:r>
+              <a:rPr xmlns:mc="http://schemas.openxmlformats.org/markup-compatibility/2006" xmlns:hp="http://schemas.haansoft.com/office/presentation/8.0" kumimoji="0" lang="ko-KR" altLang="en-US" sz="1800" b="0" i="0" u="none" strike="noStrike" kern="1200" cap="none" spc="0" normalizeH="0" baseline="0" mc:Ignorable="hp" hp:hslEmbossed="0">
+                <a:solidFill>
+                  <a:srgbClr val="ffffff"/>
+                </a:solidFill>
+                <a:latin typeface="맑은 고딕"/>
+              </a:rPr>
+              <a:t>더블 클릭</a:t>
+            </a:r>
+            <a:endParaRPr xmlns:mc="http://schemas.openxmlformats.org/markup-compatibility/2006" xmlns:hp="http://schemas.haansoft.com/office/presentation/8.0" kumimoji="0" lang="ko-KR" altLang="en-US" sz="1800" b="0" i="0" u="none" strike="noStrike" kern="1200" cap="none" spc="0" normalizeH="0" baseline="0" mc:Ignorable="hp" hp:hslEmbossed="0">
+              <a:solidFill>
+                <a:srgbClr val="ffffff"/>
+              </a:solidFill>
+              <a:latin typeface="맑은 고딕"/>
+            </a:endParaRPr>
+          </a:p>
+        </p:txBody>
+      </p:sp>
+    </p:spTree>
+    <p:extLst>
+      <p:ext uri="{BB962C8B-B14F-4D97-AF65-F5344CB8AC3E}">
+        <p14:creationId xmlns:p14="http://schemas.microsoft.com/office/powerpoint/2010/main" val="3867437048"/>
+      </p:ext>
+    </p:extLst>
+  </p:cSld>
+  <p:clrMapOvr>
+    <a:masterClrMapping/>
+  </p:clrMapOvr>
+  <mc:AlternateContent xmlns:mc="http://schemas.openxmlformats.org/markup-compatibility/2006">
+    <mc:Choice xmlns:p14="http://schemas.microsoft.com/office/powerpoint/2010/main" Requires="p14">
+      <p:transition xmlns:mc="http://schemas.openxmlformats.org/markup-compatibility/2006" xmlns:p14="http://schemas.microsoft.com/office/powerpoint/2010/main" mc:Ignorable="p14" p14:dur="500"/>
+    </mc:Choice>
+    <mc:Fallback>
+      <p:transition/>
+    </mc:Fallback>
+  </mc:AlternateContent>
+</p:sld>
+</file>
+
+<file path=ppt/slides/slide22.xml><?xml version="1.0" encoding="utf-8"?>
+<p:sld xmlns:r="http://schemas.openxmlformats.org/officeDocument/2006/relationships" xmlns:c="http://schemas.openxmlformats.org/drawingml/2006/chart" xmlns:a="http://schemas.openxmlformats.org/drawingml/2006/main" xmlns:dgm="http://schemas.openxmlformats.org/drawingml/2006/diagram" xmlns:dsp="http://schemas.microsoft.com/office/drawing/2008/diagram" xmlns:p="http://schemas.openxmlformats.org/presentationml/2006/main">
+  <p:cSld>
+    <p:spTree>
+      <p:nvGrpSpPr>
+        <p:cNvPr id="1" name=""/>
+        <p:cNvGrpSpPr/>
+        <p:nvPr/>
+      </p:nvGrpSpPr>
+      <p:grpSpPr>
+        <a:xfrm>
+          <a:off x="0" y="0"/>
+          <a:ext cx="0" cy="0"/>
+          <a:chOff x="0" y="0"/>
+          <a:chExt cx="0" cy="0"/>
+        </a:xfrm>
+      </p:grpSpPr>
+      <p:pic>
+        <p:nvPicPr>
+          <p:cNvPr id="4" name=""/>
+          <p:cNvPicPr>
+            <a:picLocks noChangeAspect="1"/>
+          </p:cNvPicPr>
+          <p:nvPr/>
+        </p:nvPicPr>
+        <p:blipFill rotWithShape="1">
+          <a:blip r:embed="rId2"/>
+          <a:stretch>
+            <a:fillRect/>
+          </a:stretch>
+        </p:blipFill>
+        <p:spPr>
+          <a:xfrm>
+            <a:off x="7565283" y="1325941"/>
+            <a:ext cx="2819400" cy="3743325"/>
+          </a:xfrm>
+          <a:prstGeom prst="rect">
+            <a:avLst/>
+          </a:prstGeom>
+        </p:spPr>
+      </p:pic>
+      <p:sp>
+        <p:nvSpPr>
+          <p:cNvPr id="5" name=""/>
+          <p:cNvSpPr txBox="1"/>
+          <p:nvPr/>
+        </p:nvSpPr>
+        <p:spPr>
+          <a:xfrm>
+            <a:off x="7701547" y="5716154"/>
+            <a:ext cx="2546870" cy="363085"/>
+          </a:xfrm>
+          <a:prstGeom prst="rect">
+            <a:avLst/>
+          </a:prstGeom>
+        </p:spPr>
+        <p:txBody>
+          <a:bodyPr wrap="none">
+            <a:spAutoFit/>
+          </a:bodyPr>
+          <a:p>
+            <a:pPr>
+              <a:defRPr/>
+            </a:pPr>
+            <a:r>
+              <a:rPr lang="en-US" altLang="ko-KR"/>
+              <a:t>Hello Unity </a:t>
+            </a:r>
+            <a:r>
+              <a:rPr lang="ko-KR" altLang="en-US"/>
+              <a:t>찍힌 것 확인</a:t>
+            </a:r>
+            <a:endParaRPr lang="ko-KR" altLang="en-US"/>
+          </a:p>
+        </p:txBody>
+      </p:sp>
+      <p:sp>
+        <p:nvSpPr>
+          <p:cNvPr id="6" name=""/>
+          <p:cNvSpPr txBox="1"/>
+          <p:nvPr/>
+        </p:nvSpPr>
+        <p:spPr>
+          <a:xfrm>
+            <a:off x="1039642" y="1052351"/>
+            <a:ext cx="4636487" cy="5300479"/>
+          </a:xfrm>
+          <a:prstGeom prst="rect">
+            <a:avLst/>
+          </a:prstGeom>
+        </p:spPr>
+        <p:txBody>
+          <a:bodyPr wrap="none">
+            <a:spAutoFit/>
+          </a:bodyPr>
+          <a:p>
+            <a:pPr>
+              <a:defRPr/>
+            </a:pPr>
+            <a:r>
+              <a:rPr lang="en-US" altLang="ko-KR"/>
+              <a:t>using System.Collections;</a:t>
+            </a:r>
+            <a:endParaRPr lang="en-US" altLang="ko-KR"/>
+          </a:p>
+          <a:p>
+            <a:pPr>
+              <a:defRPr/>
+            </a:pPr>
+            <a:r>
+              <a:rPr lang="en-US" altLang="ko-KR"/>
+              <a:t>using System.Collections.Generic;</a:t>
+            </a:r>
+            <a:endParaRPr lang="en-US" altLang="ko-KR"/>
+          </a:p>
+          <a:p>
+            <a:pPr>
+              <a:defRPr/>
+            </a:pPr>
+            <a:r>
+              <a:rPr lang="en-US" altLang="ko-KR"/>
+              <a:t>using UnityEngine;</a:t>
+            </a:r>
+            <a:endParaRPr lang="en-US" altLang="ko-KR"/>
+          </a:p>
+          <a:p>
+            <a:pPr>
+              <a:defRPr/>
+            </a:pPr>
+            <a:endParaRPr lang="en-US" altLang="ko-KR"/>
+          </a:p>
+          <a:p>
+            <a:pPr>
+              <a:defRPr/>
+            </a:pPr>
+            <a:r>
+              <a:rPr lang="en-US" altLang="ko-KR"/>
+              <a:t>public class HelloUnity : MonoBehaviour</a:t>
+            </a:r>
+            <a:endParaRPr lang="en-US" altLang="ko-KR"/>
+          </a:p>
+          <a:p>
+            <a:pPr>
+              <a:defRPr/>
+            </a:pPr>
+            <a:r>
+              <a:rPr lang="en-US" altLang="ko-KR"/>
+              <a:t>{</a:t>
+            </a:r>
+            <a:endParaRPr lang="en-US" altLang="ko-KR"/>
+          </a:p>
+          <a:p>
+            <a:pPr>
+              <a:defRPr/>
+            </a:pPr>
+            <a:r>
+              <a:rPr lang="en-US" altLang="ko-KR"/>
+              <a:t>    // Start is called before the first frame update</a:t>
+            </a:r>
+            <a:endParaRPr lang="en-US" altLang="ko-KR"/>
+          </a:p>
+          <a:p>
+            <a:pPr>
+              <a:defRPr/>
+            </a:pPr>
+            <a:r>
+              <a:rPr lang="en-US" altLang="ko-KR"/>
+              <a:t>    void Start()</a:t>
+            </a:r>
+            <a:endParaRPr lang="en-US" altLang="ko-KR"/>
+          </a:p>
+          <a:p>
+            <a:pPr>
+              <a:defRPr/>
+            </a:pPr>
+            <a:r>
+              <a:rPr lang="en-US" altLang="ko-KR"/>
+              <a:t>    {</a:t>
+            </a:r>
+            <a:endParaRPr lang="en-US" altLang="ko-KR"/>
+          </a:p>
+          <a:p>
+            <a:pPr>
+              <a:defRPr/>
+            </a:pPr>
+            <a:r>
+              <a:rPr lang="en-US" altLang="ko-KR"/>
+              <a:t>        </a:t>
+            </a:r>
+            <a:r>
+              <a:rPr lang="en-US" altLang="ko-KR">
+                <a:solidFill>
+                  <a:srgbClr val="ff0000"/>
+                </a:solidFill>
+              </a:rPr>
+              <a:t>Debug.Log("Hello Unity!");</a:t>
+            </a:r>
+            <a:endParaRPr lang="en-US" altLang="ko-KR"/>
+          </a:p>
+          <a:p>
+            <a:pPr>
+              <a:defRPr/>
+            </a:pPr>
+            <a:r>
+              <a:rPr lang="en-US" altLang="ko-KR"/>
+              <a:t>    }</a:t>
+            </a:r>
+            <a:endParaRPr lang="en-US" altLang="ko-KR"/>
+          </a:p>
+          <a:p>
+            <a:pPr>
+              <a:defRPr/>
+            </a:pPr>
+            <a:endParaRPr lang="en-US" altLang="ko-KR"/>
+          </a:p>
+          <a:p>
+            <a:pPr>
+              <a:defRPr/>
+            </a:pPr>
+            <a:r>
+              <a:rPr lang="en-US" altLang="ko-KR"/>
+              <a:t>    // Update is called once per frame</a:t>
+            </a:r>
+            <a:endParaRPr lang="en-US" altLang="ko-KR"/>
+          </a:p>
+          <a:p>
+            <a:pPr>
+              <a:defRPr/>
+            </a:pPr>
+            <a:r>
+              <a:rPr lang="en-US" altLang="ko-KR"/>
+              <a:t>    void Update()</a:t>
+            </a:r>
+            <a:endParaRPr lang="en-US" altLang="ko-KR"/>
+          </a:p>
+          <a:p>
+            <a:pPr>
+              <a:defRPr/>
+            </a:pPr>
+            <a:r>
+              <a:rPr lang="en-US" altLang="ko-KR"/>
+              <a:t>    {</a:t>
+            </a:r>
+            <a:endParaRPr lang="en-US" altLang="ko-KR"/>
+          </a:p>
+          <a:p>
+            <a:pPr>
+              <a:defRPr/>
+            </a:pPr>
+            <a:r>
+              <a:rPr lang="en-US" altLang="ko-KR"/>
+              <a:t>        </a:t>
+            </a:r>
+            <a:endParaRPr lang="en-US" altLang="ko-KR"/>
+          </a:p>
+          <a:p>
+            <a:pPr>
+              <a:defRPr/>
+            </a:pPr>
+            <a:r>
+              <a:rPr lang="en-US" altLang="ko-KR"/>
+              <a:t>    }</a:t>
+            </a:r>
+            <a:endParaRPr lang="en-US" altLang="ko-KR"/>
+          </a:p>
+          <a:p>
+            <a:pPr>
+              <a:defRPr/>
+            </a:pPr>
+            <a:r>
+              <a:rPr lang="en-US" altLang="ko-KR"/>
+              <a:t>}</a:t>
+            </a:r>
+            <a:endParaRPr lang="en-US" altLang="ko-KR"/>
+          </a:p>
+          <a:p>
+            <a:pPr>
+              <a:defRPr/>
+            </a:pPr>
+            <a:endParaRPr lang="en-US" altLang="ko-KR"/>
+          </a:p>
+        </p:txBody>
+      </p:sp>
+      <p:sp>
+        <p:nvSpPr>
+          <p:cNvPr id="7" name=""/>
+          <p:cNvSpPr txBox="1"/>
+          <p:nvPr/>
+        </p:nvSpPr>
+        <p:spPr>
+          <a:xfrm>
+            <a:off x="1039642" y="685415"/>
+            <a:ext cx="1469121" cy="366936"/>
+          </a:xfrm>
+          <a:prstGeom prst="rect">
+            <a:avLst/>
+          </a:prstGeom>
+        </p:spPr>
+        <p:txBody>
+          <a:bodyPr wrap="square">
+            <a:spAutoFit/>
+          </a:bodyPr>
+          <a:p>
+            <a:pPr>
+              <a:defRPr/>
+            </a:pPr>
+            <a:r>
+              <a:rPr lang="en-US" altLang="ko-KR"/>
+              <a:t>C# </a:t>
+            </a:r>
+            <a:r>
+              <a:rPr lang="ko-KR" altLang="en-US"/>
+              <a:t>코드 작성</a:t>
+            </a:r>
+            <a:endParaRPr lang="ko-KR" altLang="en-US"/>
+          </a:p>
+        </p:txBody>
+      </p:sp>
+    </p:spTree>
+    <p:extLst>
+      <p:ext uri="{BB962C8B-B14F-4D97-AF65-F5344CB8AC3E}">
+        <p14:creationId xmlns:p14="http://schemas.microsoft.com/office/powerpoint/2010/main" val="3942121094"/>
+      </p:ext>
+    </p:extLst>
+  </p:cSld>
+  <p:clrMapOvr>
+    <a:masterClrMapping/>
+  </p:clrMapOvr>
+  <mc:AlternateContent xmlns:mc="http://schemas.openxmlformats.org/markup-compatibility/2006">
+    <mc:Choice xmlns:p14="http://schemas.microsoft.com/office/powerpoint/2010/main" Requires="p14">
+      <p:transition xmlns:mc="http://schemas.openxmlformats.org/markup-compatibility/2006" xmlns:p14="http://schemas.microsoft.com/office/powerpoint/2010/main" mc:Ignorable="p14" p14:dur="500"/>
+    </mc:Choice>
+    <mc:Fallback>
+      <p:transition/>
+    </mc:Fallback>
+  </mc:AlternateContent>
+</p:sld>
+</file>
+
+<file path=ppt/slides/slide23.xml><?xml version="1.0" encoding="utf-8"?>
+<p:sld xmlns:r="http://schemas.openxmlformats.org/officeDocument/2006/relationships" xmlns:c="http://schemas.openxmlformats.org/drawingml/2006/chart" xmlns:a="http://schemas.openxmlformats.org/drawingml/2006/main" xmlns:dgm="http://schemas.openxmlformats.org/drawingml/2006/diagram" xmlns:dsp="http://schemas.microsoft.com/office/drawing/2008/diagram" xmlns:p="http://schemas.openxmlformats.org/presentationml/2006/main">
+  <p:cSld>
+    <p:spTree>
+      <p:nvGrpSpPr>
+        <p:cNvPr id="1" name=""/>
+        <p:cNvGrpSpPr/>
+        <p:nvPr/>
+      </p:nvGrpSpPr>
+      <p:grpSpPr>
+        <a:xfrm>
+          <a:off x="0" y="0"/>
+          <a:ext cx="0" cy="0"/>
+          <a:chOff x="0" y="0"/>
+          <a:chExt cx="0" cy="0"/>
+        </a:xfrm>
+      </p:grpSpPr>
+      <p:sp>
+        <p:nvSpPr>
+          <p:cNvPr id="7" name=""/>
+          <p:cNvSpPr txBox="1"/>
+          <p:nvPr/>
+        </p:nvSpPr>
+        <p:spPr>
+          <a:xfrm>
+            <a:off x="4268999" y="822677"/>
+            <a:ext cx="3654001" cy="367321"/>
+          </a:xfrm>
+          <a:prstGeom prst="rect">
+            <a:avLst/>
+          </a:prstGeom>
+        </p:spPr>
+        <p:txBody>
+          <a:bodyPr wrap="square">
+            <a:spAutoFit/>
+          </a:bodyPr>
+          <a:p>
+            <a:pPr>
+              <a:defRPr/>
+            </a:pPr>
+            <a:r>
+              <a:rPr lang="en-US" altLang="ko-KR"/>
+              <a:t>#</a:t>
+            </a:r>
+            <a:r>
+              <a:rPr lang="ko-KR" altLang="en-US"/>
+              <a:t> 자동완성이 안될 때 해결하는 법</a:t>
+            </a:r>
+            <a:endParaRPr lang="ko-KR" altLang="en-US"/>
+          </a:p>
+        </p:txBody>
+      </p:sp>
+      <p:pic>
+        <p:nvPicPr>
+          <p:cNvPr id="8" name=""/>
+          <p:cNvPicPr>
+            <a:picLocks noChangeAspect="1"/>
+          </p:cNvPicPr>
+          <p:nvPr/>
+        </p:nvPicPr>
+        <p:blipFill rotWithShape="1">
+          <a:blip r:embed="rId2"/>
+          <a:stretch>
+            <a:fillRect/>
+          </a:stretch>
+        </p:blipFill>
+        <p:spPr>
+          <a:xfrm>
+            <a:off x="2700291" y="2868241"/>
+            <a:ext cx="6791416" cy="1121518"/>
+          </a:xfrm>
+          <a:prstGeom prst="rect">
+            <a:avLst/>
+          </a:prstGeom>
+        </p:spPr>
+      </p:pic>
+      <p:sp>
+        <p:nvSpPr>
+          <p:cNvPr id="9" name=""/>
+          <p:cNvSpPr txBox="1"/>
+          <p:nvPr/>
+        </p:nvSpPr>
+        <p:spPr>
+          <a:xfrm>
+            <a:off x="3858460" y="4670753"/>
+            <a:ext cx="4475079" cy="642292"/>
+          </a:xfrm>
+          <a:prstGeom prst="rect">
+            <a:avLst/>
+          </a:prstGeom>
+        </p:spPr>
+        <p:txBody>
+          <a:bodyPr wrap="square">
+            <a:spAutoFit/>
+          </a:bodyPr>
+          <a:p>
+            <a:pPr>
+              <a:defRPr/>
+            </a:pPr>
+            <a:r>
+              <a:rPr lang="en-US" altLang="ko-KR"/>
+              <a:t>Debug</a:t>
+            </a:r>
+            <a:r>
+              <a:rPr lang="ko-KR" altLang="en-US"/>
+              <a:t> 위에 커서를 올렸을 때 이런 설명이 뜨지 않으면 자동완성이 되지 않는 것</a:t>
+            </a:r>
+            <a:endParaRPr lang="en-US" altLang="ko-KR"/>
+          </a:p>
+        </p:txBody>
+      </p:sp>
+    </p:spTree>
+    <p:extLst>
+      <p:ext uri="{BB962C8B-B14F-4D97-AF65-F5344CB8AC3E}">
+        <p14:creationId xmlns:p14="http://schemas.microsoft.com/office/powerpoint/2010/main" val="3989809410"/>
+      </p:ext>
+    </p:extLst>
+  </p:cSld>
+  <p:clrMapOvr>
+    <a:masterClrMapping/>
+  </p:clrMapOvr>
+  <mc:AlternateContent xmlns:mc="http://schemas.openxmlformats.org/markup-compatibility/2006">
+    <mc:Choice xmlns:p14="http://schemas.microsoft.com/office/powerpoint/2010/main" Requires="p14">
+      <p:transition xmlns:mc="http://schemas.openxmlformats.org/markup-compatibility/2006" xmlns:p14="http://schemas.microsoft.com/office/powerpoint/2010/main" mc:Ignorable="p14" p14:dur="500"/>
+    </mc:Choice>
+    <mc:Fallback>
+      <p:transition/>
+    </mc:Fallback>
+  </mc:AlternateContent>
+</p:sld>
+</file>
+
+<file path=ppt/slides/slide24.xml><?xml version="1.0" encoding="utf-8"?>
+<p:sld xmlns:r="http://schemas.openxmlformats.org/officeDocument/2006/relationships" xmlns:c="http://schemas.openxmlformats.org/drawingml/2006/chart" xmlns:a="http://schemas.openxmlformats.org/drawingml/2006/main" xmlns:dgm="http://schemas.openxmlformats.org/drawingml/2006/diagram" xmlns:dsp="http://schemas.microsoft.com/office/drawing/2008/diagram" xmlns:p="http://schemas.openxmlformats.org/presentationml/2006/main">
+  <p:cSld>
+    <p:spTree>
+      <p:nvGrpSpPr>
+        <p:cNvPr id="1" name=""/>
+        <p:cNvGrpSpPr/>
+        <p:nvPr/>
+      </p:nvGrpSpPr>
+      <p:grpSpPr>
+        <a:xfrm>
+          <a:off x="0" y="0"/>
+          <a:ext cx="0" cy="0"/>
+          <a:chOff x="0" y="0"/>
+          <a:chExt cx="0" cy="0"/>
+        </a:xfrm>
+      </p:grpSpPr>
+      <p:sp>
+        <p:nvSpPr>
+          <p:cNvPr id="7" name=""/>
+          <p:cNvSpPr txBox="1"/>
+          <p:nvPr/>
+        </p:nvSpPr>
+        <p:spPr>
+          <a:xfrm>
+            <a:off x="746394" y="411824"/>
+            <a:ext cx="3654001" cy="367321"/>
+          </a:xfrm>
+          <a:prstGeom prst="rect">
+            <a:avLst/>
+          </a:prstGeom>
+        </p:spPr>
+        <p:txBody>
+          <a:bodyPr wrap="square">
+            <a:spAutoFit/>
+          </a:bodyPr>
+          <a:p>
+            <a:pPr>
+              <a:defRPr/>
+            </a:pPr>
+            <a:r>
+              <a:rPr lang="en-US" altLang="ko-KR"/>
+              <a:t>#</a:t>
+            </a:r>
+            <a:r>
+              <a:rPr lang="ko-KR" altLang="en-US"/>
+              <a:t> 자동완성이 안될 때 해결하는 법</a:t>
+            </a:r>
+            <a:endParaRPr lang="ko-KR" altLang="en-US"/>
+          </a:p>
+        </p:txBody>
+      </p:sp>
+      <p:pic>
+        <p:nvPicPr>
+          <p:cNvPr id="8" name=""/>
+          <p:cNvPicPr>
+            <a:picLocks noChangeAspect="1"/>
+          </p:cNvPicPr>
+          <p:nvPr/>
+        </p:nvPicPr>
+        <p:blipFill rotWithShape="1">
+          <a:blip r:embed="rId2"/>
+          <a:stretch>
+            <a:fillRect/>
+          </a:stretch>
+        </p:blipFill>
+        <p:spPr>
+          <a:xfrm>
+            <a:off x="746394" y="983041"/>
+            <a:ext cx="4152900" cy="685800"/>
+          </a:xfrm>
+          <a:prstGeom prst="rect">
+            <a:avLst/>
+          </a:prstGeom>
+        </p:spPr>
+      </p:pic>
+      <p:sp>
+        <p:nvSpPr>
+          <p:cNvPr id="9" name=""/>
+          <p:cNvSpPr txBox="1"/>
+          <p:nvPr/>
+        </p:nvSpPr>
+        <p:spPr>
+          <a:xfrm>
+            <a:off x="746394" y="1817856"/>
+            <a:ext cx="4475079" cy="637689"/>
+          </a:xfrm>
+          <a:prstGeom prst="rect">
+            <a:avLst/>
+          </a:prstGeom>
+        </p:spPr>
+        <p:txBody>
+          <a:bodyPr wrap="square">
+            <a:spAutoFit/>
+          </a:bodyPr>
+          <a:p>
+            <a:pPr>
+              <a:defRPr/>
+            </a:pPr>
+            <a:r>
+              <a:rPr lang="en-US" altLang="ko-KR"/>
+              <a:t>Debug</a:t>
+            </a:r>
+            <a:r>
+              <a:rPr lang="ko-KR" altLang="en-US"/>
+              <a:t> 위에 커서를 올렸을 때 이런 설명이 뜨지 않으면 자동완성이 되지 않는 것이다</a:t>
+            </a:r>
+            <a:r>
+              <a:rPr lang="en-US" altLang="ko-KR"/>
+              <a:t>.</a:t>
+            </a:r>
+            <a:endParaRPr lang="en-US" altLang="ko-KR"/>
+          </a:p>
+        </p:txBody>
+      </p:sp>
+      <p:pic>
+        <p:nvPicPr>
+          <p:cNvPr id="11" name=""/>
+          <p:cNvPicPr>
+            <a:picLocks noChangeAspect="1"/>
+          </p:cNvPicPr>
+          <p:nvPr/>
+        </p:nvPicPr>
+        <p:blipFill rotWithShape="1">
+          <a:blip r:embed="rId3"/>
+          <a:stretch>
+            <a:fillRect/>
+          </a:stretch>
+        </p:blipFill>
+        <p:spPr>
+          <a:xfrm>
+            <a:off x="0" y="139145"/>
+            <a:ext cx="12192000" cy="6579708"/>
+          </a:xfrm>
+          <a:prstGeom prst="rect">
+            <a:avLst/>
+          </a:prstGeom>
+        </p:spPr>
+      </p:pic>
+      <p:sp>
+        <p:nvSpPr>
+          <p:cNvPr id="13" name=""/>
+          <p:cNvSpPr/>
+          <p:nvPr/>
+        </p:nvSpPr>
+        <p:spPr>
+          <a:xfrm>
+            <a:off x="157871" y="267987"/>
+            <a:ext cx="289063" cy="198311"/>
+          </a:xfrm>
+          <a:prstGeom prst="rect">
+            <a:avLst/>
+          </a:prstGeom>
+          <a:noFill/>
+          <a:ln w="76200" cap="flat" cmpd="sng" algn="ctr">
+            <a:solidFill>
+              <a:srgbClr val="ff0000">
+                <a:alpha val="100000"/>
+              </a:srgbClr>
+            </a:solidFill>
+            <a:prstDash val="solid"/>
+          </a:ln>
+        </p:spPr>
+        <p:txBody>
+          <a:bodyPr anchor="ctr"/>
+          <a:p>
+            <a:pPr marL="0" indent="0" algn="ctr" defTabSz="914400" rtl="0" eaLnBrk="1" latinLnBrk="1" hangingPunct="1">
+              <a:lnSpc>
+                <a:spcPct val="100000"/>
+              </a:lnSpc>
+              <a:spcBef>
+                <a:spcPct val="0"/>
+              </a:spcBef>
+              <a:spcAft>
+                <a:spcPts val="0"/>
+              </a:spcAft>
+              <a:buNone/>
+              <a:defRPr/>
+            </a:pPr>
+            <a:endParaRPr xmlns:mc="http://schemas.openxmlformats.org/markup-compatibility/2006" xmlns:hp="http://schemas.haansoft.com/office/presentation/8.0" kumimoji="0" lang="ko-KR" altLang="en-US" sz="1800" b="0" i="0" u="none" strike="noStrike" kern="1200" cap="none" spc="0" normalizeH="0" baseline="0" mc:Ignorable="hp" hp:hslEmbossed="0">
+              <a:solidFill>
+                <a:srgbClr val="ffffff"/>
+              </a:solidFill>
+              <a:latin typeface="Calibri"/>
+              <a:ea typeface="맑은 고딕"/>
+              <a:cs typeface="맑은 고딕"/>
+            </a:endParaRPr>
+          </a:p>
+        </p:txBody>
+      </p:sp>
+      <p:sp>
+        <p:nvSpPr>
+          <p:cNvPr id="14" name=""/>
+          <p:cNvSpPr/>
+          <p:nvPr/>
+        </p:nvSpPr>
+        <p:spPr>
+          <a:xfrm>
+            <a:off x="176920" y="4483104"/>
+            <a:ext cx="2396473" cy="198311"/>
+          </a:xfrm>
+          <a:prstGeom prst="rect">
+            <a:avLst/>
+          </a:prstGeom>
+          <a:noFill/>
+          <a:ln w="76200" cap="flat" cmpd="sng" algn="ctr">
+            <a:solidFill>
+              <a:srgbClr val="ff0000">
+                <a:alpha val="100000"/>
+              </a:srgbClr>
+            </a:solidFill>
+            <a:prstDash val="solid"/>
+          </a:ln>
+        </p:spPr>
+        <p:txBody>
+          <a:bodyPr anchor="ctr"/>
+          <a:p>
+            <a:pPr marL="0" indent="0" algn="ctr" defTabSz="914400" rtl="0" eaLnBrk="1" latinLnBrk="1" hangingPunct="1">
+              <a:lnSpc>
+                <a:spcPct val="100000"/>
+              </a:lnSpc>
+              <a:spcBef>
+                <a:spcPct val="0"/>
+              </a:spcBef>
+              <a:spcAft>
+                <a:spcPts val="0"/>
+              </a:spcAft>
+              <a:buNone/>
+              <a:defRPr/>
+            </a:pPr>
+            <a:endParaRPr xmlns:mc="http://schemas.openxmlformats.org/markup-compatibility/2006" xmlns:hp="http://schemas.haansoft.com/office/presentation/8.0" kumimoji="0" lang="ko-KR" altLang="en-US" sz="1800" b="0" i="0" u="none" strike="noStrike" kern="1200" cap="none" spc="0" normalizeH="0" baseline="0" mc:Ignorable="hp" hp:hslEmbossed="0">
+              <a:solidFill>
+                <a:srgbClr val="ffffff"/>
+              </a:solidFill>
+              <a:latin typeface="Calibri"/>
+              <a:ea typeface="맑은 고딕"/>
+              <a:cs typeface="맑은 고딕"/>
+            </a:endParaRPr>
+          </a:p>
+        </p:txBody>
+      </p:sp>
+      <p:sp>
+        <p:nvSpPr>
+          <p:cNvPr id="15" name=""/>
+          <p:cNvSpPr/>
+          <p:nvPr/>
+        </p:nvSpPr>
+        <p:spPr>
+          <a:xfrm>
+            <a:off x="2559970" y="3457575"/>
+            <a:ext cx="1165778" cy="178976"/>
+          </a:xfrm>
+          <a:prstGeom prst="rect">
+            <a:avLst/>
+          </a:prstGeom>
+          <a:noFill/>
+          <a:ln w="76200" cap="flat" cmpd="sng" algn="ctr">
+            <a:solidFill>
+              <a:srgbClr val="ff0000">
+                <a:alpha val="100000"/>
+              </a:srgbClr>
+            </a:solidFill>
+            <a:prstDash val="solid"/>
+          </a:ln>
+        </p:spPr>
+        <p:txBody>
+          <a:bodyPr anchor="ctr"/>
+          <a:p>
+            <a:pPr marL="0" indent="0" algn="ctr" defTabSz="914400" rtl="0" eaLnBrk="1" latinLnBrk="1" hangingPunct="1">
+              <a:lnSpc>
+                <a:spcPct val="100000"/>
+              </a:lnSpc>
+              <a:spcBef>
+                <a:spcPct val="0"/>
+              </a:spcBef>
+              <a:spcAft>
+                <a:spcPts val="0"/>
+              </a:spcAft>
+              <a:buNone/>
+              <a:defRPr/>
+            </a:pPr>
+            <a:endParaRPr xmlns:mc="http://schemas.openxmlformats.org/markup-compatibility/2006" xmlns:hp="http://schemas.haansoft.com/office/presentation/8.0" kumimoji="0" lang="ko-KR" altLang="en-US" sz="1800" b="0" i="0" u="none" strike="noStrike" kern="1200" cap="none" spc="0" normalizeH="0" baseline="0" mc:Ignorable="hp" hp:hslEmbossed="0">
+              <a:solidFill>
+                <a:srgbClr val="ffffff"/>
+              </a:solidFill>
+              <a:latin typeface="Calibri"/>
+              <a:ea typeface="맑은 고딕"/>
+              <a:cs typeface="맑은 고딕"/>
+            </a:endParaRPr>
+          </a:p>
+        </p:txBody>
+      </p:sp>
+      <p:sp>
+        <p:nvSpPr>
+          <p:cNvPr id="16" name=""/>
+          <p:cNvSpPr txBox="1"/>
+          <p:nvPr/>
+        </p:nvSpPr>
+        <p:spPr>
+          <a:xfrm>
+            <a:off x="1597655" y="5748112"/>
+            <a:ext cx="6603278" cy="642271"/>
+          </a:xfrm>
+          <a:prstGeom prst="rect">
+            <a:avLst/>
+          </a:prstGeom>
+        </p:spPr>
+        <p:txBody>
+          <a:bodyPr wrap="square">
+            <a:spAutoFit/>
+          </a:bodyPr>
+          <a:p>
+            <a:pPr marL="0" indent="0" algn="l" defTabSz="914400" rtl="0" eaLnBrk="1" latinLnBrk="1" hangingPunct="1">
+              <a:lnSpc>
+                <a:spcPct val="100000"/>
+              </a:lnSpc>
+              <a:spcBef>
+                <a:spcPct val="0"/>
+              </a:spcBef>
+              <a:spcAft>
+                <a:spcPts val="0"/>
+              </a:spcAft>
+              <a:buNone/>
+              <a:defRPr/>
+            </a:pPr>
+            <a:r>
+              <a:rPr xmlns:mc="http://schemas.openxmlformats.org/markup-compatibility/2006" xmlns:hp="http://schemas.haansoft.com/office/presentation/8.0" kumimoji="0" lang="en-US" altLang="ko-KR" sz="1800" b="0" i="0" u="none" strike="noStrike" kern="1200" cap="none" spc="0" normalizeH="0" baseline="0" mc:Ignorable="hp" hp:hslEmbossed="0">
+                <a:solidFill>
+                  <a:srgbClr val="ffffff"/>
+                </a:solidFill>
+                <a:latin typeface="맑은 고딕"/>
+              </a:rPr>
+              <a:t>Edit - Preferences - External Tools - External Script Editor</a:t>
+            </a:r>
+            <a:r>
+              <a:rPr xmlns:mc="http://schemas.openxmlformats.org/markup-compatibility/2006" xmlns:hp="http://schemas.haansoft.com/office/presentation/8.0" kumimoji="0" lang="ko-KR" altLang="en-US" sz="1800" b="0" i="0" u="none" strike="noStrike" kern="1200" cap="none" spc="0" normalizeH="0" baseline="0" mc:Ignorable="hp" hp:hslEmbossed="0">
+                <a:solidFill>
+                  <a:srgbClr val="ffffff"/>
+                </a:solidFill>
+                <a:latin typeface="맑은 고딕"/>
+              </a:rPr>
+              <a:t>에서 </a:t>
+            </a:r>
+            <a:r>
+              <a:rPr xmlns:mc="http://schemas.openxmlformats.org/markup-compatibility/2006" xmlns:hp="http://schemas.haansoft.com/office/presentation/8.0" kumimoji="0" lang="en-US" altLang="ko-KR" sz="1800" b="0" i="0" u="none" strike="noStrike" kern="1200" cap="none" spc="0" normalizeH="0" baseline="0" mc:Ignorable="hp" hp:hslEmbossed="0">
+                <a:solidFill>
+                  <a:srgbClr val="ffffff"/>
+                </a:solidFill>
+                <a:latin typeface="맑은 고딕"/>
+              </a:rPr>
+              <a:t>Microsoft Visual Studio 2019</a:t>
+            </a:r>
+            <a:r>
+              <a:rPr xmlns:mc="http://schemas.openxmlformats.org/markup-compatibility/2006" xmlns:hp="http://schemas.haansoft.com/office/presentation/8.0" kumimoji="0" lang="ko-KR" altLang="en-US" sz="1800" b="0" i="0" u="none" strike="noStrike" kern="1200" cap="none" spc="0" normalizeH="0" baseline="0" mc:Ignorable="hp" hp:hslEmbossed="0">
+                <a:solidFill>
+                  <a:srgbClr val="ffffff"/>
+                </a:solidFill>
+                <a:latin typeface="맑은 고딕"/>
+              </a:rPr>
+              <a:t>로 바꿔주기</a:t>
+            </a:r>
+            <a:endParaRPr xmlns:mc="http://schemas.openxmlformats.org/markup-compatibility/2006" xmlns:hp="http://schemas.haansoft.com/office/presentation/8.0" kumimoji="0" lang="ko-KR" altLang="en-US" sz="1800" b="0" i="0" u="none" strike="noStrike" kern="1200" cap="none" spc="0" normalizeH="0" baseline="0" mc:Ignorable="hp" hp:hslEmbossed="0">
+              <a:solidFill>
+                <a:srgbClr val="ffffff"/>
+              </a:solidFill>
+              <a:latin typeface="맑은 고딕"/>
+            </a:endParaRPr>
+          </a:p>
+        </p:txBody>
+      </p:sp>
+      <p:sp>
+        <p:nvSpPr>
+          <p:cNvPr id="17" name=""/>
+          <p:cNvSpPr/>
+          <p:nvPr/>
+        </p:nvSpPr>
+        <p:spPr>
+          <a:xfrm>
+            <a:off x="5397610" y="2950724"/>
+            <a:ext cx="1224067" cy="169602"/>
+          </a:xfrm>
+          <a:prstGeom prst="rect">
+            <a:avLst/>
+          </a:prstGeom>
+          <a:noFill/>
+          <a:ln w="76200" cap="flat" cmpd="sng" algn="ctr">
+            <a:solidFill>
+              <a:srgbClr val="ff0000">
+                <a:alpha val="100000"/>
+              </a:srgbClr>
+            </a:solidFill>
+            <a:prstDash val="solid"/>
+          </a:ln>
+        </p:spPr>
+        <p:txBody>
+          <a:bodyPr anchor="ctr"/>
+          <a:p>
+            <a:pPr marL="0" indent="0" algn="ctr" defTabSz="914400" rtl="0" eaLnBrk="1" latinLnBrk="1" hangingPunct="1">
+              <a:lnSpc>
+                <a:spcPct val="100000"/>
+              </a:lnSpc>
+              <a:spcBef>
+                <a:spcPct val="0"/>
+              </a:spcBef>
+              <a:spcAft>
+                <a:spcPts val="0"/>
+              </a:spcAft>
+              <a:buNone/>
+              <a:defRPr/>
+            </a:pPr>
+            <a:endParaRPr xmlns:mc="http://schemas.openxmlformats.org/markup-compatibility/2006" xmlns:hp="http://schemas.haansoft.com/office/presentation/8.0" kumimoji="0" lang="ko-KR" altLang="en-US" sz="1800" b="0" i="0" u="none" strike="noStrike" kern="1200" cap="none" spc="0" normalizeH="0" baseline="0" mc:Ignorable="hp" hp:hslEmbossed="0">
+              <a:solidFill>
+                <a:srgbClr val="ffffff"/>
+              </a:solidFill>
+              <a:latin typeface="Calibri"/>
+              <a:ea typeface="맑은 고딕"/>
+              <a:cs typeface="맑은 고딕"/>
+            </a:endParaRPr>
+          </a:p>
+        </p:txBody>
+      </p:sp>
+    </p:spTree>
+    <p:extLst>
+      <p:ext uri="{BB962C8B-B14F-4D97-AF65-F5344CB8AC3E}">
+        <p14:creationId xmlns:p14="http://schemas.microsoft.com/office/powerpoint/2010/main" val="484259946"/>
+      </p:ext>
+    </p:extLst>
+  </p:cSld>
+  <p:clrMapOvr>
+    <a:masterClrMapping/>
+  </p:clrMapOvr>
+  <mc:AlternateContent xmlns:mc="http://schemas.openxmlformats.org/markup-compatibility/2006">
+    <mc:Choice xmlns:p14="http://schemas.microsoft.com/office/powerpoint/2010/main" Requires="p14">
+      <p:transition xmlns:mc="http://schemas.openxmlformats.org/markup-compatibility/2006" xmlns:p14="http://schemas.microsoft.com/office/powerpoint/2010/main" mc:Ignorable="p14" p14:dur="500"/>
+    </mc:Choice>
+    <mc:Fallback>
+      <p:transition/>
+    </mc:Fallback>
+  </mc:AlternateContent>
+</p:sld>
+</file>
+
+<file path=ppt/slides/slide25.xml><?xml version="1.0" encoding="utf-8"?>
+<p:sld xmlns:r="http://schemas.openxmlformats.org/officeDocument/2006/relationships" xmlns:c="http://schemas.openxmlformats.org/drawingml/2006/chart" xmlns:a="http://schemas.openxmlformats.org/drawingml/2006/main" xmlns:dgm="http://schemas.openxmlformats.org/drawingml/2006/diagram" xmlns:dsp="http://schemas.microsoft.com/office/drawing/2008/diagram" xmlns:p="http://schemas.openxmlformats.org/presentationml/2006/main">
+  <p:cSld>
+    <p:spTree>
+      <p:nvGrpSpPr>
+        <p:cNvPr id="1" name=""/>
+        <p:cNvGrpSpPr/>
+        <p:nvPr/>
+      </p:nvGrpSpPr>
+      <p:grpSpPr>
+        <a:xfrm>
+          <a:off x="0" y="0"/>
+          <a:ext cx="0" cy="0"/>
+          <a:chOff x="0" y="0"/>
+          <a:chExt cx="0" cy="0"/>
+        </a:xfrm>
+      </p:grpSpPr>
+      <p:pic>
+        <p:nvPicPr>
+          <p:cNvPr id="4" name=""/>
+          <p:cNvPicPr>
+            <a:picLocks noChangeAspect="1"/>
+          </p:cNvPicPr>
+          <p:nvPr/>
+        </p:nvPicPr>
+        <p:blipFill rotWithShape="1">
+          <a:blip r:embed="rId2"/>
+          <a:stretch>
+            <a:fillRect/>
+          </a:stretch>
+        </p:blipFill>
+        <p:spPr>
+          <a:xfrm>
+            <a:off x="1193333" y="2748703"/>
+            <a:ext cx="3295650" cy="1133475"/>
+          </a:xfrm>
+          <a:prstGeom prst="rect">
+            <a:avLst/>
+          </a:prstGeom>
+        </p:spPr>
+      </p:pic>
+      <p:sp>
+        <p:nvSpPr>
+          <p:cNvPr id="5" name=""/>
+          <p:cNvSpPr txBox="1"/>
+          <p:nvPr/>
+        </p:nvSpPr>
+        <p:spPr>
+          <a:xfrm>
+            <a:off x="1193333" y="1516591"/>
+            <a:ext cx="3950912" cy="910379"/>
+          </a:xfrm>
+          <a:prstGeom prst="rect">
+            <a:avLst/>
+          </a:prstGeom>
+        </p:spPr>
+        <p:txBody>
+          <a:bodyPr wrap="square">
+            <a:spAutoFit/>
+          </a:bodyPr>
+          <a:p>
+            <a:pPr marL="0" indent="0" algn="l" defTabSz="914400" rtl="0" eaLnBrk="1" latinLnBrk="1" hangingPunct="1">
+              <a:lnSpc>
+                <a:spcPct val="100000"/>
+              </a:lnSpc>
+              <a:spcBef>
+                <a:spcPct val="0"/>
+              </a:spcBef>
+              <a:spcAft>
+                <a:spcPts val="0"/>
+              </a:spcAft>
+              <a:buNone/>
+              <a:defRPr/>
+            </a:pPr>
+            <a:r>
+              <a:rPr xmlns:mc="http://schemas.openxmlformats.org/markup-compatibility/2006" xmlns:hp="http://schemas.haansoft.com/office/presentation/8.0" kumimoji="0" lang="ko-KR" altLang="en-US" sz="1800" b="0" i="0" u="none" strike="noStrike" kern="1200" cap="none" spc="0" normalizeH="0" baseline="0" mc:Ignorable="hp" hp:hslEmbossed="0">
+                <a:solidFill>
+                  <a:srgbClr val="000000"/>
+                </a:solidFill>
+                <a:latin typeface="Calibri"/>
+                <a:ea typeface="맑은 고딕"/>
+                <a:cs typeface="Calibri"/>
+              </a:rPr>
+              <a:t>그래도 자동완성이 되지 않는다면 </a:t>
+            </a:r>
+            <a:r>
+              <a:rPr xmlns:mc="http://schemas.openxmlformats.org/markup-compatibility/2006" xmlns:hp="http://schemas.haansoft.com/office/presentation/8.0" kumimoji="0" lang="en-US" altLang="ko-KR" sz="1800" b="0" i="0" u="none" strike="noStrike" kern="1200" cap="none" spc="0" normalizeH="0" baseline="0" mc:Ignorable="hp" hp:hslEmbossed="0">
+                <a:solidFill>
+                  <a:srgbClr val="000000"/>
+                </a:solidFill>
+                <a:latin typeface="Calibri"/>
+                <a:ea typeface="맑은 고딕"/>
+                <a:cs typeface="Calibri"/>
+              </a:rPr>
+              <a:t>Visual Studio </a:t>
+            </a:r>
+            <a:r>
+              <a:rPr xmlns:mc="http://schemas.openxmlformats.org/markup-compatibility/2006" xmlns:hp="http://schemas.haansoft.com/office/presentation/8.0" kumimoji="0" lang="ko-KR" altLang="en-US" sz="1800" b="0" i="0" u="none" strike="noStrike" kern="1200" cap="none" spc="0" normalizeH="0" baseline="0" mc:Ignorable="hp" hp:hslEmbossed="0">
+                <a:solidFill>
+                  <a:srgbClr val="000000"/>
+                </a:solidFill>
+                <a:latin typeface="Calibri"/>
+                <a:ea typeface="맑은 고딕"/>
+                <a:cs typeface="Calibri"/>
+              </a:rPr>
+              <a:t>솔루션 탐색기에서 아래와 같은 상황일 수도 있음</a:t>
+            </a:r>
+            <a:endParaRPr xmlns:mc="http://schemas.openxmlformats.org/markup-compatibility/2006" xmlns:hp="http://schemas.haansoft.com/office/presentation/8.0" kumimoji="0" lang="ko-KR" altLang="en-US" sz="1800" b="0" i="0" u="none" strike="noStrike" kern="1200" cap="none" spc="0" normalizeH="0" baseline="0" mc:Ignorable="hp" hp:hslEmbossed="0">
+              <a:solidFill>
+                <a:srgbClr val="000000"/>
+              </a:solidFill>
+              <a:latin typeface="Calibri"/>
+              <a:ea typeface="맑은 고딕"/>
+              <a:cs typeface="Calibri"/>
+            </a:endParaRPr>
+          </a:p>
+        </p:txBody>
+      </p:sp>
       <p:pic>
         <p:nvPicPr>
           <p:cNvPr id="6" name=""/>
@@ -5787,18 +7347,124 @@
         </p:blipFill>
         <p:spPr>
           <a:xfrm>
-            <a:off x="3245998" y="2376487"/>
-            <a:ext cx="8172450" cy="2105025"/>
+            <a:off x="7053378" y="2173978"/>
+            <a:ext cx="3343275" cy="3362325"/>
           </a:xfrm>
           <a:prstGeom prst="rect">
             <a:avLst/>
           </a:prstGeom>
         </p:spPr>
       </p:pic>
+      <p:sp>
+        <p:nvSpPr>
+          <p:cNvPr id="7" name=""/>
+          <p:cNvSpPr/>
+          <p:nvPr/>
+        </p:nvSpPr>
+        <p:spPr>
+          <a:xfrm>
+            <a:off x="7399040" y="3189155"/>
+            <a:ext cx="2961615" cy="239845"/>
+          </a:xfrm>
+          <a:prstGeom prst="rect">
+            <a:avLst/>
+          </a:prstGeom>
+          <a:noFill/>
+          <a:ln w="76200" cap="flat" cmpd="sng" algn="ctr">
+            <a:solidFill>
+              <a:srgbClr val="ff0000">
+                <a:alpha val="100000"/>
+              </a:srgbClr>
+            </a:solidFill>
+            <a:prstDash val="solid"/>
+          </a:ln>
+        </p:spPr>
+        <p:txBody>
+          <a:bodyPr anchor="ctr"/>
+          <a:p>
+            <a:pPr marL="0" indent="0" algn="ctr" defTabSz="914400" rtl="0" eaLnBrk="1" latinLnBrk="1" hangingPunct="1">
+              <a:lnSpc>
+                <a:spcPct val="100000"/>
+              </a:lnSpc>
+              <a:spcBef>
+                <a:spcPct val="0"/>
+              </a:spcBef>
+              <a:spcAft>
+                <a:spcPts val="0"/>
+              </a:spcAft>
+              <a:buNone/>
+              <a:defRPr/>
+            </a:pPr>
+            <a:endParaRPr xmlns:mc="http://schemas.openxmlformats.org/markup-compatibility/2006" xmlns:hp="http://schemas.haansoft.com/office/presentation/8.0" kumimoji="0" lang="ko-KR" altLang="en-US" sz="1800" b="0" i="0" u="none" strike="noStrike" kern="1200" cap="none" spc="0" normalizeH="0" baseline="0" mc:Ignorable="hp" hp:hslEmbossed="0">
+              <a:solidFill>
+                <a:srgbClr val="ffffff"/>
+              </a:solidFill>
+              <a:latin typeface="Calibri"/>
+              <a:ea typeface="맑은 고딕"/>
+              <a:cs typeface="맑은 고딕"/>
+            </a:endParaRPr>
+          </a:p>
+        </p:txBody>
+      </p:sp>
+      <p:sp>
+        <p:nvSpPr>
+          <p:cNvPr id="8" name=""/>
+          <p:cNvSpPr txBox="1"/>
+          <p:nvPr/>
+        </p:nvSpPr>
+        <p:spPr>
+          <a:xfrm>
+            <a:off x="7053378" y="1516591"/>
+            <a:ext cx="3343276" cy="367454"/>
+          </a:xfrm>
+          <a:prstGeom prst="rect">
+            <a:avLst/>
+          </a:prstGeom>
+        </p:spPr>
+        <p:txBody>
+          <a:bodyPr wrap="square">
+            <a:spAutoFit/>
+          </a:bodyPr>
+          <a:p>
+            <a:pPr marL="0" indent="0" algn="l" defTabSz="914400" rtl="0" eaLnBrk="1" latinLnBrk="1" hangingPunct="1">
+              <a:lnSpc>
+                <a:spcPct val="100000"/>
+              </a:lnSpc>
+              <a:spcBef>
+                <a:spcPct val="0"/>
+              </a:spcBef>
+              <a:spcAft>
+                <a:spcPts val="0"/>
+              </a:spcAft>
+              <a:buNone/>
+              <a:defRPr/>
+            </a:pPr>
+            <a:r>
+              <a:rPr xmlns:mc="http://schemas.openxmlformats.org/markup-compatibility/2006" xmlns:hp="http://schemas.haansoft.com/office/presentation/8.0" kumimoji="0" lang="ko-KR" altLang="en-US" sz="1800" b="0" i="0" u="none" strike="noStrike" kern="1200" cap="none" spc="0" normalizeH="0" baseline="0" mc:Ignorable="hp" hp:hslEmbossed="0">
+                <a:solidFill>
+                  <a:srgbClr val="000000"/>
+                </a:solidFill>
+                <a:latin typeface="Calibri"/>
+                <a:ea typeface="맑은 고딕"/>
+                <a:cs typeface="Calibri"/>
+              </a:rPr>
+              <a:t>프로젝트 다시 로드를 해줌</a:t>
+            </a:r>
+            <a:endParaRPr xmlns:mc="http://schemas.openxmlformats.org/markup-compatibility/2006" xmlns:hp="http://schemas.haansoft.com/office/presentation/8.0" kumimoji="0" lang="ko-KR" altLang="en-US" sz="1800" b="0" i="0" u="none" strike="noStrike" kern="1200" cap="none" spc="0" normalizeH="0" baseline="0" mc:Ignorable="hp" hp:hslEmbossed="0">
+              <a:solidFill>
+                <a:srgbClr val="000000"/>
+              </a:solidFill>
+              <a:latin typeface="Calibri"/>
+              <a:ea typeface="맑은 고딕"/>
+              <a:cs typeface="Calibri"/>
+            </a:endParaRPr>
+          </a:p>
+        </p:txBody>
+      </p:sp>
     </p:spTree>
     <p:extLst>
       <p:ext uri="{BB962C8B-B14F-4D97-AF65-F5344CB8AC3E}">
-        <p14:creationId xmlns:p14="http://schemas.microsoft.com/office/powerpoint/2010/main" val="1271241018"/>
+        <p14:creationId xmlns:p14="http://schemas.microsoft.com/office/powerpoint/2010/main" val="3959431035"/>
       </p:ext>
     </p:extLst>
   </p:cSld>
@@ -5835,7 +7501,7 @@
       </p:grpSpPr>
       <p:pic>
         <p:nvPicPr>
-          <p:cNvPr id="7" name=""/>
+          <p:cNvPr id="6" name=""/>
           <p:cNvPicPr>
             <a:picLocks noChangeAspect="1"/>
           </p:cNvPicPr>
@@ -5849,8 +7515,8 @@
         </p:blipFill>
         <p:spPr>
           <a:xfrm>
-            <a:off x="1381125" y="323850"/>
-            <a:ext cx="9429750" cy="6210300"/>
+            <a:off x="943595" y="1485494"/>
+            <a:ext cx="10304809" cy="2645020"/>
           </a:xfrm>
           <a:prstGeom prst="rect">
             <a:avLst/>
@@ -5859,55 +7525,75 @@
       </p:pic>
       <p:sp>
         <p:nvSpPr>
-          <p:cNvPr id="6" name=""/>
-          <p:cNvSpPr/>
+          <p:cNvPr id="11" name=""/>
+          <p:cNvSpPr txBox="1"/>
           <p:nvPr/>
         </p:nvSpPr>
         <p:spPr>
           <a:xfrm>
-            <a:off x="5356292" y="2435968"/>
-            <a:ext cx="4924627" cy="993031"/>
+            <a:off x="943595" y="753892"/>
+            <a:ext cx="5253735" cy="358628"/>
           </a:xfrm>
           <a:prstGeom prst="rect">
             <a:avLst/>
           </a:prstGeom>
-          <a:noFill/>
-          <a:ln w="76200">
-            <a:solidFill>
-              <a:srgbClr val="ff0000"/>
-            </a:solidFill>
-          </a:ln>
-        </p:spPr>
-        <p:style>
-          <a:lnRef idx="2">
-            <a:schemeClr val="accent1">
-              <a:shade val="20000"/>
-            </a:schemeClr>
-          </a:lnRef>
-          <a:fillRef idx="1">
-            <a:schemeClr val="accent1"/>
-          </a:fillRef>
-          <a:effectRef idx="0">
-            <a:schemeClr val="accent1"/>
-          </a:effectRef>
-          <a:fontRef idx="minor">
-            <a:schemeClr val="lt1"/>
-          </a:fontRef>
-        </p:style>
-        <p:txBody>
-          <a:bodyPr anchor="ctr"/>
-          <a:p>
-            <a:pPr algn="ctr">
+        </p:spPr>
+        <p:txBody>
+          <a:bodyPr wrap="square">
+            <a:spAutoFit/>
+          </a:bodyPr>
+          <a:p>
+            <a:pPr>
               <a:defRPr/>
             </a:pPr>
-            <a:endParaRPr lang="ko-KR" altLang="en-US"/>
-          </a:p>
-        </p:txBody>
-      </p:sp>
+            <a:r>
+              <a:rPr lang="en-US" altLang="ko-KR"/>
+              <a:t>Visual Studio Installer</a:t>
+            </a:r>
+            <a:r>
+              <a:rPr lang="ko-KR" altLang="en-US"/>
+              <a:t>을 켜고</a:t>
+            </a:r>
+            <a:r>
+              <a:rPr lang="en-US" altLang="ko-KR"/>
+              <a:t>,</a:t>
+            </a:r>
+            <a:r>
+              <a:rPr lang="ko-KR" altLang="en-US"/>
+              <a:t> 체크 표시된 항목 설치</a:t>
+            </a:r>
+            <a:endParaRPr lang="ko-KR" altLang="en-US"/>
+          </a:p>
+        </p:txBody>
+      </p:sp>
+      <p:pic>
+        <p:nvPicPr>
+          <p:cNvPr id="12" name=""/>
+          <p:cNvPicPr>
+            <a:picLocks noChangeAspect="1"/>
+          </p:cNvPicPr>
+          <p:nvPr/>
+        </p:nvPicPr>
+        <p:blipFill rotWithShape="1">
+          <a:blip r:embed="rId3"/>
+          <a:stretch>
+            <a:fillRect/>
+          </a:stretch>
+        </p:blipFill>
+        <p:spPr>
+          <a:xfrm>
+            <a:off x="943595" y="4130515"/>
+            <a:ext cx="10304809" cy="1687547"/>
+          </a:xfrm>
+          <a:prstGeom prst="rect">
+            <a:avLst/>
+          </a:prstGeom>
+        </p:spPr>
+      </p:pic>
     </p:spTree>
     <p:extLst>
       <p:ext uri="{BB962C8B-B14F-4D97-AF65-F5344CB8AC3E}">
-        <p14:creationId xmlns:p14="http://schemas.microsoft.com/office/powerpoint/2010/main" val="749929048"/>
+        <p14:creationId xmlns:p14="http://schemas.microsoft.com/office/powerpoint/2010/main" val="3345594853"/>
       </p:ext>
     </p:extLst>
   </p:cSld>
@@ -5944,7 +7630,7 @@
       </p:grpSpPr>
       <p:pic>
         <p:nvPicPr>
-          <p:cNvPr id="5" name=""/>
+          <p:cNvPr id="7" name=""/>
           <p:cNvPicPr>
             <a:picLocks noChangeAspect="1"/>
           </p:cNvPicPr>
@@ -5958,18 +7644,65 @@
         </p:blipFill>
         <p:spPr>
           <a:xfrm>
-            <a:off x="1338262" y="309562"/>
-            <a:ext cx="9515475" cy="6238874"/>
+            <a:off x="1381125" y="323850"/>
+            <a:ext cx="9429750" cy="6210300"/>
           </a:xfrm>
           <a:prstGeom prst="rect">
             <a:avLst/>
           </a:prstGeom>
         </p:spPr>
       </p:pic>
+      <p:sp>
+        <p:nvSpPr>
+          <p:cNvPr id="6" name=""/>
+          <p:cNvSpPr/>
+          <p:nvPr/>
+        </p:nvSpPr>
+        <p:spPr>
+          <a:xfrm>
+            <a:off x="5356292" y="2426443"/>
+            <a:ext cx="4924627" cy="993032"/>
+          </a:xfrm>
+          <a:prstGeom prst="rect">
+            <a:avLst/>
+          </a:prstGeom>
+          <a:noFill/>
+          <a:ln w="76200">
+            <a:solidFill>
+              <a:srgbClr val="ff0000"/>
+            </a:solidFill>
+          </a:ln>
+        </p:spPr>
+        <p:style>
+          <a:lnRef idx="2">
+            <a:schemeClr val="accent1">
+              <a:shade val="20000"/>
+            </a:schemeClr>
+          </a:lnRef>
+          <a:fillRef idx="1">
+            <a:schemeClr val="accent1"/>
+          </a:fillRef>
+          <a:effectRef idx="0">
+            <a:schemeClr val="accent1"/>
+          </a:effectRef>
+          <a:fontRef idx="minor">
+            <a:schemeClr val="lt1"/>
+          </a:fontRef>
+        </p:style>
+        <p:txBody>
+          <a:bodyPr anchor="ctr"/>
+          <a:p>
+            <a:pPr algn="ctr">
+              <a:defRPr/>
+            </a:pPr>
+            <a:endParaRPr lang="ko-KR" altLang="en-US"/>
+          </a:p>
+        </p:txBody>
+      </p:sp>
     </p:spTree>
     <p:extLst>
       <p:ext uri="{BB962C8B-B14F-4D97-AF65-F5344CB8AC3E}">
-        <p14:creationId xmlns:p14="http://schemas.microsoft.com/office/powerpoint/2010/main" val="3987275377"/>
+        <p14:creationId xmlns:p14="http://schemas.microsoft.com/office/powerpoint/2010/main" val="749929048"/>
       </p:ext>
     </p:extLst>
   </p:cSld>
@@ -6006,7 +7739,7 @@
       </p:grpSpPr>
       <p:pic>
         <p:nvPicPr>
-          <p:cNvPr id="4" name=""/>
+          <p:cNvPr id="5" name=""/>
           <p:cNvPicPr>
             <a:picLocks noChangeAspect="1"/>
           </p:cNvPicPr>
@@ -6020,111 +7753,18 @@
         </p:blipFill>
         <p:spPr>
           <a:xfrm>
-            <a:off x="2871787" y="166687"/>
-            <a:ext cx="6448425" cy="6524625"/>
+            <a:off x="1338262" y="309562"/>
+            <a:ext cx="9515475" cy="6238874"/>
           </a:xfrm>
           <a:prstGeom prst="rect">
             <a:avLst/>
           </a:prstGeom>
         </p:spPr>
       </p:pic>
-      <p:sp>
-        <p:nvSpPr>
-          <p:cNvPr id="5" name=""/>
-          <p:cNvSpPr txBox="1"/>
-          <p:nvPr/>
-        </p:nvSpPr>
-        <p:spPr>
-          <a:xfrm>
-            <a:off x="4657117" y="5384665"/>
-            <a:ext cx="7140548" cy="1461905"/>
-          </a:xfrm>
-          <a:prstGeom prst="rect">
-            <a:avLst/>
-          </a:prstGeom>
-        </p:spPr>
-        <p:txBody>
-          <a:bodyPr wrap="none">
-            <a:spAutoFit/>
-          </a:bodyPr>
-          <a:p>
-            <a:pPr>
-              <a:defRPr/>
-            </a:pPr>
-            <a:r>
-              <a:rPr lang="ko-KR" altLang="en-US"/>
-              <a:t>혹시</a:t>
-            </a:r>
-            <a:r>
-              <a:rPr lang="en-US" altLang="ko-KR"/>
-              <a:t> </a:t>
-            </a:r>
-            <a:r>
-              <a:rPr lang="ko-KR" altLang="en-US"/>
-              <a:t>비주얼 스튜디오에서 </a:t>
-            </a:r>
-            <a:r>
-              <a:rPr lang="en-US" altLang="ko-KR"/>
-              <a:t>ctrl + F5</a:t>
-            </a:r>
-            <a:r>
-              <a:rPr lang="ko-KR" altLang="en-US"/>
-              <a:t> 가 안되면</a:t>
-            </a:r>
-            <a:r>
-              <a:rPr lang="en-US" altLang="ko-KR"/>
-              <a:t>,</a:t>
-            </a:r>
-            <a:endParaRPr lang="en-US" altLang="ko-KR"/>
-          </a:p>
-          <a:p>
-            <a:pPr>
-              <a:defRPr/>
-            </a:pPr>
-            <a:r>
-              <a:rPr lang="ko-KR" altLang="en-US"/>
-              <a:t>프로젝트 삭제 후 다시 만들기</a:t>
-            </a:r>
-            <a:endParaRPr lang="ko-KR" altLang="en-US"/>
-          </a:p>
-          <a:p>
-            <a:pPr>
-              <a:defRPr/>
-            </a:pPr>
-            <a:endParaRPr lang="ko-KR" altLang="en-US"/>
-          </a:p>
-          <a:p>
-            <a:pPr>
-              <a:defRPr/>
-            </a:pPr>
-            <a:r>
-              <a:rPr lang="ko-KR" altLang="en-US"/>
-              <a:t>그래도 안되면 </a:t>
-            </a:r>
-            <a:r>
-              <a:rPr lang="en-US" altLang="ko-KR">
-                <a:hlinkClick r:id="rId3"/>
-              </a:rPr>
-              <a:t>https://dotnet.microsoft.com/en-us/download/dotnet/3.1</a:t>
-            </a:r>
-            <a:endParaRPr lang="en-US" altLang="ko-KR"/>
-          </a:p>
-          <a:p>
-            <a:pPr>
-              <a:defRPr/>
-            </a:pPr>
-            <a:r>
-              <a:rPr lang="ko-KR" altLang="en-US"/>
-              <a:t>에 접속해서 최신버전 설치</a:t>
-            </a:r>
-            <a:endParaRPr lang="ko-KR" altLang="en-US"/>
-          </a:p>
-        </p:txBody>
-      </p:sp>
     </p:spTree>
     <p:extLst>
       <p:ext uri="{BB962C8B-B14F-4D97-AF65-F5344CB8AC3E}">
-        <p14:creationId xmlns:p14="http://schemas.microsoft.com/office/powerpoint/2010/main" val="942954803"/>
+        <p14:creationId xmlns:p14="http://schemas.microsoft.com/office/powerpoint/2010/main" val="3987275377"/>
       </p:ext>
     </p:extLst>
   </p:cSld>
@@ -6159,50 +7799,87 @@
           <a:chExt cx="0" cy="0"/>
         </a:xfrm>
       </p:grpSpPr>
-      <p:sp>
-        <p:nvSpPr>
-          <p:cNvPr id="2" name="제목 1"/>
-          <p:cNvSpPr>
-            <a:spLocks noGrp="1"/>
-          </p:cNvSpPr>
-          <p:nvPr>
-            <p:ph type="ctrTitle" idx="0"/>
-          </p:nvPr>
-        </p:nvSpPr>
-        <p:spPr>
-          <a:xfrm>
-            <a:off x="914401" y="2693987"/>
-            <a:ext cx="10363198" cy="1470025"/>
-          </a:xfrm>
-        </p:spPr>
-        <p:txBody>
-          <a:bodyPr/>
+      <p:pic>
+        <p:nvPicPr>
+          <p:cNvPr id="4" name=""/>
+          <p:cNvPicPr>
+            <a:picLocks noChangeAspect="1"/>
+          </p:cNvPicPr>
+          <p:nvPr/>
+        </p:nvPicPr>
+        <p:blipFill rotWithShape="1">
+          <a:blip r:embed="rId2"/>
+          <a:stretch>
+            <a:fillRect/>
+          </a:stretch>
+        </p:blipFill>
+        <p:spPr>
+          <a:xfrm>
+            <a:off x="0" y="1536430"/>
+            <a:ext cx="12192000" cy="4920033"/>
+          </a:xfrm>
+          <a:prstGeom prst="rect">
+            <a:avLst/>
+          </a:prstGeom>
+        </p:spPr>
+      </p:pic>
+      <p:sp>
+        <p:nvSpPr>
+          <p:cNvPr id="5" name=""/>
+          <p:cNvSpPr txBox="1"/>
+          <p:nvPr/>
+        </p:nvSpPr>
+        <p:spPr>
+          <a:xfrm>
+            <a:off x="2846230" y="571499"/>
+            <a:ext cx="6499540" cy="642958"/>
+          </a:xfrm>
+          <a:prstGeom prst="rect">
+            <a:avLst/>
+          </a:prstGeom>
+        </p:spPr>
+        <p:txBody>
+          <a:bodyPr wrap="none">
+            <a:spAutoFit/>
+          </a:bodyPr>
           <a:p>
             <a:pPr>
               <a:defRPr/>
             </a:pPr>
             <a:r>
-              <a:rPr lang="en-US" altLang="ko-KR">
-                <a:latin typeface="맑은 고딕"/>
-              </a:rPr>
-              <a:t>Unity </a:t>
-            </a:r>
-            <a:r>
-              <a:rPr lang="ko-KR" altLang="en-US">
-                <a:latin typeface="맑은 고딕"/>
-              </a:rPr>
-              <a:t>환경설정</a:t>
-            </a:r>
-            <a:endParaRPr lang="ko-KR" altLang="en-US">
-              <a:latin typeface="맑은 고딕"/>
-            </a:endParaRPr>
+              <a:rPr lang="ko-KR" altLang="en-US"/>
+              <a:t>새 프로젝트를 생성하면 기본적으로 </a:t>
+            </a:r>
+            <a:r>
+              <a:rPr lang="en-US" altLang="ko-KR"/>
+              <a:t>Hello World!</a:t>
+            </a:r>
+            <a:r>
+              <a:rPr lang="ko-KR" altLang="en-US"/>
+              <a:t>가 입력된 상태</a:t>
+            </a:r>
+            <a:endParaRPr lang="en-US" altLang="ko-KR"/>
+          </a:p>
+          <a:p>
+            <a:pPr>
+              <a:defRPr/>
+            </a:pPr>
+            <a:r>
+              <a:rPr lang="en-US" altLang="ko-KR"/>
+              <a:t>Ctrl + F5</a:t>
+            </a:r>
+            <a:r>
+              <a:rPr lang="ko-KR" altLang="en-US"/>
+              <a:t>를 눌러 다음과 같이 뜨는지 확인</a:t>
+            </a:r>
+            <a:endParaRPr lang="ko-KR" altLang="en-US"/>
           </a:p>
         </p:txBody>
       </p:sp>
     </p:spTree>
     <p:extLst>
       <p:ext uri="{BB962C8B-B14F-4D97-AF65-F5344CB8AC3E}">
-        <p14:creationId xmlns:p14="http://schemas.microsoft.com/office/powerpoint/2010/main" val="971352627"/>
+        <p14:creationId xmlns:p14="http://schemas.microsoft.com/office/powerpoint/2010/main" val="375371724"/>
       </p:ext>
     </p:extLst>
   </p:cSld>
@@ -6237,61 +7914,24 @@
           <a:chExt cx="0" cy="0"/>
         </a:xfrm>
       </p:grpSpPr>
-      <p:sp>
-        <p:nvSpPr>
-          <p:cNvPr id="4" name=""/>
-          <p:cNvSpPr txBox="1"/>
-          <p:nvPr/>
-        </p:nvSpPr>
-        <p:spPr>
-          <a:xfrm>
-            <a:off x="824519" y="800546"/>
-            <a:ext cx="3733596" cy="359599"/>
-          </a:xfrm>
-          <a:prstGeom prst="rect">
-            <a:avLst/>
-          </a:prstGeom>
-        </p:spPr>
-        <p:txBody>
-          <a:bodyPr wrap="square">
-            <a:spAutoFit/>
-          </a:bodyPr>
-          <a:p>
-            <a:pPr>
-              <a:defRPr/>
-            </a:pPr>
-            <a:r>
-              <a:rPr lang="en-US" altLang="ko-KR">
-                <a:hlinkClick r:id="rId2"/>
-              </a:rPr>
-              <a:t>https://unity.com/kr/download</a:t>
-            </a:r>
-            <a:r>
-              <a:rPr lang="ko-KR" altLang="en-US"/>
-              <a:t> 접속</a:t>
-            </a:r>
-            <a:endParaRPr lang="ko-KR" altLang="en-US"/>
-          </a:p>
-        </p:txBody>
-      </p:sp>
       <p:pic>
         <p:nvPicPr>
-          <p:cNvPr id="6" name=""/>
+          <p:cNvPr id="4" name=""/>
           <p:cNvPicPr>
             <a:picLocks noChangeAspect="1"/>
           </p:cNvPicPr>
           <p:nvPr/>
         </p:nvPicPr>
         <p:blipFill rotWithShape="1">
-          <a:blip r:embed="rId3"/>
+          <a:blip r:embed="rId2"/>
           <a:stretch>
             <a:fillRect/>
           </a:stretch>
         </p:blipFill>
         <p:spPr>
           <a:xfrm>
-            <a:off x="824519" y="1591181"/>
-            <a:ext cx="8515350" cy="4486275"/>
+            <a:off x="2871787" y="166687"/>
+            <a:ext cx="6448425" cy="6524625"/>
           </a:xfrm>
           <a:prstGeom prst="rect">
             <a:avLst/>
@@ -6300,61 +7940,14 @@
       </p:pic>
       <p:sp>
         <p:nvSpPr>
-          <p:cNvPr id="7" name=""/>
-          <p:cNvSpPr/>
-          <p:nvPr/>
-        </p:nvSpPr>
-        <p:spPr>
-          <a:xfrm>
-            <a:off x="1009852" y="4907808"/>
-            <a:ext cx="1768838" cy="547180"/>
-          </a:xfrm>
-          <a:prstGeom prst="rect">
-            <a:avLst/>
-          </a:prstGeom>
-          <a:noFill/>
-          <a:ln w="76200">
-            <a:solidFill>
-              <a:srgbClr val="ff0000"/>
-            </a:solidFill>
-          </a:ln>
-        </p:spPr>
-        <p:style>
-          <a:lnRef idx="2">
-            <a:schemeClr val="accent1">
-              <a:shade val="20000"/>
-            </a:schemeClr>
-          </a:lnRef>
-          <a:fillRef idx="1">
-            <a:schemeClr val="accent1"/>
-          </a:fillRef>
-          <a:effectRef idx="0">
-            <a:schemeClr val="accent1"/>
-          </a:effectRef>
-          <a:fontRef idx="minor">
-            <a:schemeClr val="lt1"/>
-          </a:fontRef>
-        </p:style>
-        <p:txBody>
-          <a:bodyPr anchor="ctr"/>
-          <a:p>
-            <a:pPr algn="ctr">
-              <a:defRPr/>
-            </a:pPr>
-            <a:endParaRPr lang="ko-KR" altLang="en-US"/>
-          </a:p>
-        </p:txBody>
-      </p:sp>
-      <p:sp>
-        <p:nvSpPr>
-          <p:cNvPr id="8" name=""/>
+          <p:cNvPr id="5" name=""/>
           <p:cNvSpPr txBox="1"/>
           <p:nvPr/>
         </p:nvSpPr>
         <p:spPr>
           <a:xfrm>
-            <a:off x="9531080" y="5714979"/>
-            <a:ext cx="1924294" cy="362477"/>
+            <a:off x="4657117" y="5384665"/>
+            <a:ext cx="7140548" cy="1461905"/>
           </a:xfrm>
           <a:prstGeom prst="rect">
             <a:avLst/>
@@ -6370,7 +7963,69 @@
             </a:pPr>
             <a:r>
               <a:rPr lang="ko-KR" altLang="en-US"/>
-              <a:t>다운로드 후 설치</a:t>
+              <a:t>혹시</a:t>
+            </a:r>
+            <a:r>
+              <a:rPr lang="en-US" altLang="ko-KR"/>
+              <a:t> </a:t>
+            </a:r>
+            <a:r>
+              <a:rPr lang="ko-KR" altLang="en-US"/>
+              <a:t>비주얼 스튜디오에서 </a:t>
+            </a:r>
+            <a:r>
+              <a:rPr lang="en-US" altLang="ko-KR"/>
+              <a:t>ctrl + F5</a:t>
+            </a:r>
+            <a:r>
+              <a:rPr lang="ko-KR" altLang="en-US"/>
+              <a:t> 가 안되면</a:t>
+            </a:r>
+            <a:r>
+              <a:rPr lang="en-US" altLang="ko-KR"/>
+              <a:t>,</a:t>
+            </a:r>
+            <a:endParaRPr lang="en-US" altLang="ko-KR"/>
+          </a:p>
+          <a:p>
+            <a:pPr>
+              <a:defRPr/>
+            </a:pPr>
+            <a:r>
+              <a:rPr lang="ko-KR" altLang="en-US"/>
+              <a:t>프로젝트 삭제 후 다시 만들기</a:t>
+            </a:r>
+            <a:endParaRPr lang="ko-KR" altLang="en-US"/>
+          </a:p>
+          <a:p>
+            <a:pPr>
+              <a:defRPr/>
+            </a:pPr>
+            <a:endParaRPr lang="ko-KR" altLang="en-US"/>
+          </a:p>
+          <a:p>
+            <a:pPr>
+              <a:defRPr/>
+            </a:pPr>
+            <a:r>
+              <a:rPr lang="ko-KR" altLang="en-US"/>
+              <a:t>그래도 안되면 </a:t>
+            </a:r>
+            <a:r>
+              <a:rPr lang="en-US" altLang="ko-KR">
+                <a:hlinkClick r:id="rId3"/>
+              </a:rPr>
+              <a:t>https://dotnet.microsoft.com/en-us/download/dotnet/3.1</a:t>
+            </a:r>
+            <a:endParaRPr lang="en-US" altLang="ko-KR"/>
+          </a:p>
+          <a:p>
+            <a:pPr>
+              <a:defRPr/>
+            </a:pPr>
+            <a:r>
+              <a:rPr lang="ko-KR" altLang="en-US"/>
+              <a:t>에 접속해서 최신버전 설치</a:t>
             </a:r>
             <a:endParaRPr lang="ko-KR" altLang="en-US"/>
           </a:p>
@@ -6379,7 +8034,7 @@
     </p:spTree>
     <p:extLst>
       <p:ext uri="{BB962C8B-B14F-4D97-AF65-F5344CB8AC3E}">
-        <p14:creationId xmlns:p14="http://schemas.microsoft.com/office/powerpoint/2010/main" val="2452067986"/>
+        <p14:creationId xmlns:p14="http://schemas.microsoft.com/office/powerpoint/2010/main" val="942954803"/>
       </p:ext>
     </p:extLst>
   </p:cSld>
@@ -6414,77 +8069,42 @@
           <a:chExt cx="0" cy="0"/>
         </a:xfrm>
       </p:grpSpPr>
-      <p:pic>
-        <p:nvPicPr>
-          <p:cNvPr id="4" name=""/>
-          <p:cNvPicPr>
-            <a:picLocks noChangeAspect="1"/>
-          </p:cNvPicPr>
-          <p:nvPr/>
-        </p:nvPicPr>
-        <p:blipFill rotWithShape="1">
-          <a:blip r:embed="rId2"/>
-          <a:stretch>
-            <a:fillRect/>
-          </a:stretch>
-        </p:blipFill>
-        <p:spPr>
-          <a:xfrm>
-            <a:off x="1243012" y="590550"/>
-            <a:ext cx="9705975" cy="5676900"/>
-          </a:xfrm>
-          <a:prstGeom prst="rect">
-            <a:avLst/>
-          </a:prstGeom>
-        </p:spPr>
-      </p:pic>
-      <p:sp>
-        <p:nvSpPr>
-          <p:cNvPr id="5" name=""/>
-          <p:cNvSpPr/>
-          <p:nvPr/>
-        </p:nvSpPr>
-        <p:spPr>
-          <a:xfrm>
-            <a:off x="2945251" y="4320096"/>
-            <a:ext cx="1140593" cy="273590"/>
-          </a:xfrm>
-          <a:prstGeom prst="rect">
-            <a:avLst/>
-          </a:prstGeom>
-          <a:noFill/>
-          <a:ln w="76200" cap="flat" cmpd="sng" algn="ctr">
-            <a:solidFill>
-              <a:srgbClr val="ff0000">
-                <a:alpha val="100000"/>
-              </a:srgbClr>
-            </a:solidFill>
-            <a:prstDash val="solid"/>
-          </a:ln>
-        </p:spPr>
-        <p:txBody>
-          <a:bodyPr anchor="ctr"/>
-          <a:p>
-            <a:pPr marL="0" indent="0" algn="ctr" defTabSz="914400" rtl="0" eaLnBrk="1" latinLnBrk="1" hangingPunct="1">
-              <a:lnSpc>
-                <a:spcPct val="100000"/>
-              </a:lnSpc>
-              <a:spcBef>
-                <a:spcPct val="0"/>
-              </a:spcBef>
-              <a:spcAft>
-                <a:spcPts val="0"/>
-              </a:spcAft>
-              <a:buNone/>
+      <p:sp>
+        <p:nvSpPr>
+          <p:cNvPr id="2" name="제목 1"/>
+          <p:cNvSpPr>
+            <a:spLocks noGrp="1"/>
+          </p:cNvSpPr>
+          <p:nvPr>
+            <p:ph type="ctrTitle" idx="0"/>
+          </p:nvPr>
+        </p:nvSpPr>
+        <p:spPr>
+          <a:xfrm>
+            <a:off x="914401" y="2693987"/>
+            <a:ext cx="10363198" cy="1470025"/>
+          </a:xfrm>
+        </p:spPr>
+        <p:txBody>
+          <a:bodyPr/>
+          <a:p>
+            <a:pPr>
               <a:defRPr/>
             </a:pPr>
-            <a:endParaRPr xmlns:mc="http://schemas.openxmlformats.org/markup-compatibility/2006" xmlns:hp="http://schemas.haansoft.com/office/presentation/8.0" kumimoji="0" lang="ko-KR" altLang="en-US" sz="1800" b="0" i="0" u="none" strike="noStrike" kern="1200" cap="none" spc="0" normalizeH="0" baseline="0" mc:Ignorable="hp" hp:hslEmbossed="0">
-              <a:solidFill>
-                <a:srgbClr val="ffffff"/>
-              </a:solidFill>
-              <a:latin typeface="Calibri"/>
-              <a:ea typeface="맑은 고딕"/>
-              <a:cs typeface="맑은 고딕"/>
+            <a:r>
+              <a:rPr lang="en-US" altLang="ko-KR">
+                <a:latin typeface="맑은 고딕"/>
+              </a:rPr>
+              <a:t>Unity </a:t>
+            </a:r>
+            <a:r>
+              <a:rPr lang="ko-KR" altLang="en-US">
+                <a:latin typeface="맑은 고딕"/>
+              </a:rPr>
+              <a:t>환경설정</a:t>
+            </a:r>
+            <a:endParaRPr lang="ko-KR" altLang="en-US">
+              <a:latin typeface="맑은 고딕"/>
             </a:endParaRPr>
           </a:p>
         </p:txBody>
@@ -6492,7 +8112,7 @@
     </p:spTree>
     <p:extLst>
       <p:ext uri="{BB962C8B-B14F-4D97-AF65-F5344CB8AC3E}">
-        <p14:creationId xmlns:p14="http://schemas.microsoft.com/office/powerpoint/2010/main" val="2076789793"/>
+        <p14:creationId xmlns:p14="http://schemas.microsoft.com/office/powerpoint/2010/main" val="971352627"/>
       </p:ext>
     </p:extLst>
   </p:cSld>
@@ -6527,34 +8147,149 @@
           <a:chExt cx="0" cy="0"/>
         </a:xfrm>
       </p:grpSpPr>
+      <p:sp>
+        <p:nvSpPr>
+          <p:cNvPr id="4" name=""/>
+          <p:cNvSpPr txBox="1"/>
+          <p:nvPr/>
+        </p:nvSpPr>
+        <p:spPr>
+          <a:xfrm>
+            <a:off x="824519" y="800546"/>
+            <a:ext cx="3733596" cy="359599"/>
+          </a:xfrm>
+          <a:prstGeom prst="rect">
+            <a:avLst/>
+          </a:prstGeom>
+        </p:spPr>
+        <p:txBody>
+          <a:bodyPr wrap="square">
+            <a:spAutoFit/>
+          </a:bodyPr>
+          <a:p>
+            <a:pPr>
+              <a:defRPr/>
+            </a:pPr>
+            <a:r>
+              <a:rPr lang="en-US" altLang="ko-KR">
+                <a:hlinkClick r:id="rId2"/>
+              </a:rPr>
+              <a:t>https://unity.com/kr/download</a:t>
+            </a:r>
+            <a:r>
+              <a:rPr lang="ko-KR" altLang="en-US"/>
+              <a:t> 접속</a:t>
+            </a:r>
+            <a:endParaRPr lang="ko-KR" altLang="en-US"/>
+          </a:p>
+        </p:txBody>
+      </p:sp>
       <p:pic>
         <p:nvPicPr>
-          <p:cNvPr id="8" name=""/>
+          <p:cNvPr id="6" name=""/>
           <p:cNvPicPr>
             <a:picLocks noChangeAspect="1"/>
           </p:cNvPicPr>
           <p:nvPr/>
         </p:nvPicPr>
         <p:blipFill rotWithShape="1">
-          <a:blip r:embed="rId2"/>
+          <a:blip r:embed="rId3"/>
           <a:stretch>
             <a:fillRect/>
           </a:stretch>
         </p:blipFill>
         <p:spPr>
           <a:xfrm>
-            <a:off x="979915" y="0"/>
-            <a:ext cx="10232169" cy="6858000"/>
+            <a:off x="824519" y="1591181"/>
+            <a:ext cx="8515350" cy="4486275"/>
           </a:xfrm>
           <a:prstGeom prst="rect">
             <a:avLst/>
           </a:prstGeom>
         </p:spPr>
       </p:pic>
+      <p:sp>
+        <p:nvSpPr>
+          <p:cNvPr id="7" name=""/>
+          <p:cNvSpPr/>
+          <p:nvPr/>
+        </p:nvSpPr>
+        <p:spPr>
+          <a:xfrm>
+            <a:off x="1009852" y="4907808"/>
+            <a:ext cx="1768838" cy="519821"/>
+          </a:xfrm>
+          <a:prstGeom prst="rect">
+            <a:avLst/>
+          </a:prstGeom>
+          <a:noFill/>
+          <a:ln w="76200">
+            <a:solidFill>
+              <a:srgbClr val="ff0000"/>
+            </a:solidFill>
+          </a:ln>
+        </p:spPr>
+        <p:style>
+          <a:lnRef idx="2">
+            <a:schemeClr val="accent1">
+              <a:shade val="20000"/>
+            </a:schemeClr>
+          </a:lnRef>
+          <a:fillRef idx="1">
+            <a:schemeClr val="accent1"/>
+          </a:fillRef>
+          <a:effectRef idx="0">
+            <a:schemeClr val="accent1"/>
+          </a:effectRef>
+          <a:fontRef idx="minor">
+            <a:schemeClr val="lt1"/>
+          </a:fontRef>
+        </p:style>
+        <p:txBody>
+          <a:bodyPr anchor="ctr"/>
+          <a:p>
+            <a:pPr algn="ctr">
+              <a:defRPr/>
+            </a:pPr>
+            <a:endParaRPr lang="ko-KR" altLang="en-US"/>
+          </a:p>
+        </p:txBody>
+      </p:sp>
+      <p:sp>
+        <p:nvSpPr>
+          <p:cNvPr id="8" name=""/>
+          <p:cNvSpPr txBox="1"/>
+          <p:nvPr/>
+        </p:nvSpPr>
+        <p:spPr>
+          <a:xfrm>
+            <a:off x="9531080" y="5714979"/>
+            <a:ext cx="1924294" cy="362477"/>
+          </a:xfrm>
+          <a:prstGeom prst="rect">
+            <a:avLst/>
+          </a:prstGeom>
+        </p:spPr>
+        <p:txBody>
+          <a:bodyPr wrap="none">
+            <a:spAutoFit/>
+          </a:bodyPr>
+          <a:p>
+            <a:pPr>
+              <a:defRPr/>
+            </a:pPr>
+            <a:r>
+              <a:rPr lang="ko-KR" altLang="en-US"/>
+              <a:t>다운로드 후 설치</a:t>
+            </a:r>
+            <a:endParaRPr lang="ko-KR" altLang="en-US"/>
+          </a:p>
+        </p:txBody>
+      </p:sp>
     </p:spTree>
     <p:extLst>
       <p:ext uri="{BB962C8B-B14F-4D97-AF65-F5344CB8AC3E}">
-        <p14:creationId xmlns:p14="http://schemas.microsoft.com/office/powerpoint/2010/main" val="1480574147"/>
+        <p14:creationId xmlns:p14="http://schemas.microsoft.com/office/powerpoint/2010/main" val="2452067986"/>
       </p:ext>
     </p:extLst>
   </p:cSld>
